--- a/Présentation/MachLearn_Macherel_Evard.pptx
+++ b/Présentation/MachLearn_Macherel_Evard.pptx
@@ -4,13 +4,18 @@
   <p:sldMasterIdLst>
     <p:sldMasterId id="2147483648" r:id="rId1"/>
   </p:sldMasterIdLst>
+  <p:notesMasterIdLst>
+    <p:notesMasterId r:id="rId10"/>
+  </p:notesMasterIdLst>
   <p:sldIdLst>
     <p:sldId id="256" r:id="rId2"/>
     <p:sldId id="257" r:id="rId3"/>
     <p:sldId id="258" r:id="rId4"/>
     <p:sldId id="259" r:id="rId5"/>
     <p:sldId id="260" r:id="rId6"/>
-    <p:sldId id="261" r:id="rId7"/>
+    <p:sldId id="262" r:id="rId7"/>
+    <p:sldId id="261" r:id="rId8"/>
+    <p:sldId id="263" r:id="rId9"/>
   </p:sldIdLst>
   <p:sldSz cx="12192000" cy="6858000"/>
   <p:notesSz cx="6858000" cy="9144000"/>
@@ -109,7 +114,452 @@
       </a:defRPr>
     </a:lvl9pPr>
   </p:defaultTextStyle>
+  <p:extLst>
+    <p:ext uri="{EFAFB233-063F-42B5-8137-9DF3F51BA10A}">
+      <p15:sldGuideLst xmlns:p15="http://schemas.microsoft.com/office/powerpoint/2012/main"/>
+    </p:ext>
+  </p:extLst>
 </p:presentation>
+</file>
+
+<file path=ppt/notesMasters/notesMaster1.xml><?xml version="1.0" encoding="utf-8"?>
+<p:notesMaster xmlns:a="http://schemas.openxmlformats.org/drawingml/2006/main" xmlns:r="http://schemas.openxmlformats.org/officeDocument/2006/relationships" xmlns:p="http://schemas.openxmlformats.org/presentationml/2006/main">
+  <p:cSld>
+    <p:bg>
+      <p:bgRef idx="1001">
+        <a:schemeClr val="bg1"/>
+      </p:bgRef>
+    </p:bg>
+    <p:spTree>
+      <p:nvGrpSpPr>
+        <p:cNvPr id="1" name=""/>
+        <p:cNvGrpSpPr/>
+        <p:nvPr/>
+      </p:nvGrpSpPr>
+      <p:grpSpPr>
+        <a:xfrm>
+          <a:off x="0" y="0"/>
+          <a:ext cx="0" cy="0"/>
+          <a:chOff x="0" y="0"/>
+          <a:chExt cx="0" cy="0"/>
+        </a:xfrm>
+      </p:grpSpPr>
+      <p:sp>
+        <p:nvSpPr>
+          <p:cNvPr id="2" name="Espace réservé de l'en-tête 1"/>
+          <p:cNvSpPr>
+            <a:spLocks noGrp="1"/>
+          </p:cNvSpPr>
+          <p:nvPr>
+            <p:ph type="hdr" sz="quarter"/>
+          </p:nvPr>
+        </p:nvSpPr>
+        <p:spPr>
+          <a:xfrm>
+            <a:off x="0" y="0"/>
+            <a:ext cx="2971800" cy="458788"/>
+          </a:xfrm>
+          <a:prstGeom prst="rect">
+            <a:avLst/>
+          </a:prstGeom>
+        </p:spPr>
+        <p:txBody>
+          <a:bodyPr vert="horz" lIns="91440" tIns="45720" rIns="91440" bIns="45720" rtlCol="0"/>
+          <a:lstStyle>
+            <a:lvl1pPr algn="l">
+              <a:defRPr sz="1200"/>
+            </a:lvl1pPr>
+          </a:lstStyle>
+          <a:p>
+            <a:endParaRPr lang="fr-CH"/>
+          </a:p>
+        </p:txBody>
+      </p:sp>
+      <p:sp>
+        <p:nvSpPr>
+          <p:cNvPr id="3" name="Espace réservé de la date 2"/>
+          <p:cNvSpPr>
+            <a:spLocks noGrp="1"/>
+          </p:cNvSpPr>
+          <p:nvPr>
+            <p:ph type="dt" idx="1"/>
+          </p:nvPr>
+        </p:nvSpPr>
+        <p:spPr>
+          <a:xfrm>
+            <a:off x="3884613" y="0"/>
+            <a:ext cx="2971800" cy="458788"/>
+          </a:xfrm>
+          <a:prstGeom prst="rect">
+            <a:avLst/>
+          </a:prstGeom>
+        </p:spPr>
+        <p:txBody>
+          <a:bodyPr vert="horz" lIns="91440" tIns="45720" rIns="91440" bIns="45720" rtlCol="0"/>
+          <a:lstStyle>
+            <a:lvl1pPr algn="r">
+              <a:defRPr sz="1200"/>
+            </a:lvl1pPr>
+          </a:lstStyle>
+          <a:p>
+            <a:fld id="{E2F1860E-01B8-47F6-BBCC-2362672351AF}" type="datetimeFigureOut">
+              <a:rPr lang="fr-CH" smtClean="0"/>
+              <a:t>12.06.2021</a:t>
+            </a:fld>
+            <a:endParaRPr lang="fr-CH"/>
+          </a:p>
+        </p:txBody>
+      </p:sp>
+      <p:sp>
+        <p:nvSpPr>
+          <p:cNvPr id="4" name="Espace réservé de l'image des diapositives 3"/>
+          <p:cNvSpPr>
+            <a:spLocks noGrp="1" noRot="1" noChangeAspect="1"/>
+          </p:cNvSpPr>
+          <p:nvPr>
+            <p:ph type="sldImg" idx="2"/>
+          </p:nvPr>
+        </p:nvSpPr>
+        <p:spPr>
+          <a:xfrm>
+            <a:off x="685800" y="1143000"/>
+            <a:ext cx="5486400" cy="3086100"/>
+          </a:xfrm>
+          <a:prstGeom prst="rect">
+            <a:avLst/>
+          </a:prstGeom>
+          <a:noFill/>
+          <a:ln w="12700">
+            <a:solidFill>
+              <a:prstClr val="black"/>
+            </a:solidFill>
+          </a:ln>
+        </p:spPr>
+        <p:txBody>
+          <a:bodyPr vert="horz" lIns="91440" tIns="45720" rIns="91440" bIns="45720" rtlCol="0" anchor="ctr"/>
+          <a:lstStyle/>
+          <a:p>
+            <a:endParaRPr lang="fr-CH"/>
+          </a:p>
+        </p:txBody>
+      </p:sp>
+      <p:sp>
+        <p:nvSpPr>
+          <p:cNvPr id="5" name="Espace réservé des notes 4"/>
+          <p:cNvSpPr>
+            <a:spLocks noGrp="1"/>
+          </p:cNvSpPr>
+          <p:nvPr>
+            <p:ph type="body" sz="quarter" idx="3"/>
+          </p:nvPr>
+        </p:nvSpPr>
+        <p:spPr>
+          <a:xfrm>
+            <a:off x="685800" y="4400550"/>
+            <a:ext cx="5486400" cy="3600450"/>
+          </a:xfrm>
+          <a:prstGeom prst="rect">
+            <a:avLst/>
+          </a:prstGeom>
+        </p:spPr>
+        <p:txBody>
+          <a:bodyPr vert="horz" lIns="91440" tIns="45720" rIns="91440" bIns="45720" rtlCol="0"/>
+          <a:lstStyle/>
+          <a:p>
+            <a:pPr lvl="0"/>
+            <a:r>
+              <a:rPr lang="fr-FR"/>
+              <a:t>Cliquez pour modifier les styles du texte du masque</a:t>
+            </a:r>
+          </a:p>
+          <a:p>
+            <a:pPr lvl="1"/>
+            <a:r>
+              <a:rPr lang="fr-FR"/>
+              <a:t>Deuxième niveau</a:t>
+            </a:r>
+          </a:p>
+          <a:p>
+            <a:pPr lvl="2"/>
+            <a:r>
+              <a:rPr lang="fr-FR"/>
+              <a:t>Troisième niveau</a:t>
+            </a:r>
+          </a:p>
+          <a:p>
+            <a:pPr lvl="3"/>
+            <a:r>
+              <a:rPr lang="fr-FR"/>
+              <a:t>Quatrième niveau</a:t>
+            </a:r>
+          </a:p>
+          <a:p>
+            <a:pPr lvl="4"/>
+            <a:r>
+              <a:rPr lang="fr-FR"/>
+              <a:t>Cinquième niveau</a:t>
+            </a:r>
+            <a:endParaRPr lang="fr-CH"/>
+          </a:p>
+        </p:txBody>
+      </p:sp>
+      <p:sp>
+        <p:nvSpPr>
+          <p:cNvPr id="6" name="Espace réservé du pied de page 5"/>
+          <p:cNvSpPr>
+            <a:spLocks noGrp="1"/>
+          </p:cNvSpPr>
+          <p:nvPr>
+            <p:ph type="ftr" sz="quarter" idx="4"/>
+          </p:nvPr>
+        </p:nvSpPr>
+        <p:spPr>
+          <a:xfrm>
+            <a:off x="0" y="8685213"/>
+            <a:ext cx="2971800" cy="458787"/>
+          </a:xfrm>
+          <a:prstGeom prst="rect">
+            <a:avLst/>
+          </a:prstGeom>
+        </p:spPr>
+        <p:txBody>
+          <a:bodyPr vert="horz" lIns="91440" tIns="45720" rIns="91440" bIns="45720" rtlCol="0" anchor="b"/>
+          <a:lstStyle>
+            <a:lvl1pPr algn="l">
+              <a:defRPr sz="1200"/>
+            </a:lvl1pPr>
+          </a:lstStyle>
+          <a:p>
+            <a:endParaRPr lang="fr-CH"/>
+          </a:p>
+        </p:txBody>
+      </p:sp>
+      <p:sp>
+        <p:nvSpPr>
+          <p:cNvPr id="7" name="Espace réservé du numéro de diapositive 6"/>
+          <p:cNvSpPr>
+            <a:spLocks noGrp="1"/>
+          </p:cNvSpPr>
+          <p:nvPr>
+            <p:ph type="sldNum" sz="quarter" idx="5"/>
+          </p:nvPr>
+        </p:nvSpPr>
+        <p:spPr>
+          <a:xfrm>
+            <a:off x="3884613" y="8685213"/>
+            <a:ext cx="2971800" cy="458787"/>
+          </a:xfrm>
+          <a:prstGeom prst="rect">
+            <a:avLst/>
+          </a:prstGeom>
+        </p:spPr>
+        <p:txBody>
+          <a:bodyPr vert="horz" lIns="91440" tIns="45720" rIns="91440" bIns="45720" rtlCol="0" anchor="b"/>
+          <a:lstStyle>
+            <a:lvl1pPr algn="r">
+              <a:defRPr sz="1200"/>
+            </a:lvl1pPr>
+          </a:lstStyle>
+          <a:p>
+            <a:fld id="{B3B6B990-FF07-4B71-A14A-2D22C504A243}" type="slidenum">
+              <a:rPr lang="fr-CH" smtClean="0"/>
+              <a:t>‹N°›</a:t>
+            </a:fld>
+            <a:endParaRPr lang="fr-CH"/>
+          </a:p>
+        </p:txBody>
+      </p:sp>
+    </p:spTree>
+    <p:extLst>
+      <p:ext uri="{BB962C8B-B14F-4D97-AF65-F5344CB8AC3E}">
+        <p14:creationId xmlns:p14="http://schemas.microsoft.com/office/powerpoint/2010/main" val="1956495398"/>
+      </p:ext>
+    </p:extLst>
+  </p:cSld>
+  <p:clrMap bg1="lt1" tx1="dk1" bg2="lt2" tx2="dk2" accent1="accent1" accent2="accent2" accent3="accent3" accent4="accent4" accent5="accent5" accent6="accent6" hlink="hlink" folHlink="folHlink"/>
+  <p:notesStyle>
+    <a:lvl1pPr marL="0" algn="l" defTabSz="914400" rtl="0" eaLnBrk="1" latinLnBrk="0" hangingPunct="1">
+      <a:defRPr sz="1200" kern="1200">
+        <a:solidFill>
+          <a:schemeClr val="tx1"/>
+        </a:solidFill>
+        <a:latin typeface="+mn-lt"/>
+        <a:ea typeface="+mn-ea"/>
+        <a:cs typeface="+mn-cs"/>
+      </a:defRPr>
+    </a:lvl1pPr>
+    <a:lvl2pPr marL="457200" algn="l" defTabSz="914400" rtl="0" eaLnBrk="1" latinLnBrk="0" hangingPunct="1">
+      <a:defRPr sz="1200" kern="1200">
+        <a:solidFill>
+          <a:schemeClr val="tx1"/>
+        </a:solidFill>
+        <a:latin typeface="+mn-lt"/>
+        <a:ea typeface="+mn-ea"/>
+        <a:cs typeface="+mn-cs"/>
+      </a:defRPr>
+    </a:lvl2pPr>
+    <a:lvl3pPr marL="914400" algn="l" defTabSz="914400" rtl="0" eaLnBrk="1" latinLnBrk="0" hangingPunct="1">
+      <a:defRPr sz="1200" kern="1200">
+        <a:solidFill>
+          <a:schemeClr val="tx1"/>
+        </a:solidFill>
+        <a:latin typeface="+mn-lt"/>
+        <a:ea typeface="+mn-ea"/>
+        <a:cs typeface="+mn-cs"/>
+      </a:defRPr>
+    </a:lvl3pPr>
+    <a:lvl4pPr marL="1371600" algn="l" defTabSz="914400" rtl="0" eaLnBrk="1" latinLnBrk="0" hangingPunct="1">
+      <a:defRPr sz="1200" kern="1200">
+        <a:solidFill>
+          <a:schemeClr val="tx1"/>
+        </a:solidFill>
+        <a:latin typeface="+mn-lt"/>
+        <a:ea typeface="+mn-ea"/>
+        <a:cs typeface="+mn-cs"/>
+      </a:defRPr>
+    </a:lvl4pPr>
+    <a:lvl5pPr marL="1828800" algn="l" defTabSz="914400" rtl="0" eaLnBrk="1" latinLnBrk="0" hangingPunct="1">
+      <a:defRPr sz="1200" kern="1200">
+        <a:solidFill>
+          <a:schemeClr val="tx1"/>
+        </a:solidFill>
+        <a:latin typeface="+mn-lt"/>
+        <a:ea typeface="+mn-ea"/>
+        <a:cs typeface="+mn-cs"/>
+      </a:defRPr>
+    </a:lvl5pPr>
+    <a:lvl6pPr marL="2286000" algn="l" defTabSz="914400" rtl="0" eaLnBrk="1" latinLnBrk="0" hangingPunct="1">
+      <a:defRPr sz="1200" kern="1200">
+        <a:solidFill>
+          <a:schemeClr val="tx1"/>
+        </a:solidFill>
+        <a:latin typeface="+mn-lt"/>
+        <a:ea typeface="+mn-ea"/>
+        <a:cs typeface="+mn-cs"/>
+      </a:defRPr>
+    </a:lvl6pPr>
+    <a:lvl7pPr marL="2743200" algn="l" defTabSz="914400" rtl="0" eaLnBrk="1" latinLnBrk="0" hangingPunct="1">
+      <a:defRPr sz="1200" kern="1200">
+        <a:solidFill>
+          <a:schemeClr val="tx1"/>
+        </a:solidFill>
+        <a:latin typeface="+mn-lt"/>
+        <a:ea typeface="+mn-ea"/>
+        <a:cs typeface="+mn-cs"/>
+      </a:defRPr>
+    </a:lvl7pPr>
+    <a:lvl8pPr marL="3200400" algn="l" defTabSz="914400" rtl="0" eaLnBrk="1" latinLnBrk="0" hangingPunct="1">
+      <a:defRPr sz="1200" kern="1200">
+        <a:solidFill>
+          <a:schemeClr val="tx1"/>
+        </a:solidFill>
+        <a:latin typeface="+mn-lt"/>
+        <a:ea typeface="+mn-ea"/>
+        <a:cs typeface="+mn-cs"/>
+      </a:defRPr>
+    </a:lvl8pPr>
+    <a:lvl9pPr marL="3657600" algn="l" defTabSz="914400" rtl="0" eaLnBrk="1" latinLnBrk="0" hangingPunct="1">
+      <a:defRPr sz="1200" kern="1200">
+        <a:solidFill>
+          <a:schemeClr val="tx1"/>
+        </a:solidFill>
+        <a:latin typeface="+mn-lt"/>
+        <a:ea typeface="+mn-ea"/>
+        <a:cs typeface="+mn-cs"/>
+      </a:defRPr>
+    </a:lvl9pPr>
+  </p:notesStyle>
+</p:notesMaster>
+</file>
+
+<file path=ppt/notesSlides/notesSlide1.xml><?xml version="1.0" encoding="utf-8"?>
+<p:notes xmlns:a="http://schemas.openxmlformats.org/drawingml/2006/main" xmlns:r="http://schemas.openxmlformats.org/officeDocument/2006/relationships" xmlns:p="http://schemas.openxmlformats.org/presentationml/2006/main">
+  <p:cSld>
+    <p:spTree>
+      <p:nvGrpSpPr>
+        <p:cNvPr id="1" name=""/>
+        <p:cNvGrpSpPr/>
+        <p:nvPr/>
+      </p:nvGrpSpPr>
+      <p:grpSpPr>
+        <a:xfrm>
+          <a:off x="0" y="0"/>
+          <a:ext cx="0" cy="0"/>
+          <a:chOff x="0" y="0"/>
+          <a:chExt cx="0" cy="0"/>
+        </a:xfrm>
+      </p:grpSpPr>
+      <p:sp>
+        <p:nvSpPr>
+          <p:cNvPr id="2" name="Espace réservé de l'image des diapositives 1"/>
+          <p:cNvSpPr>
+            <a:spLocks noGrp="1" noRot="1" noChangeAspect="1"/>
+          </p:cNvSpPr>
+          <p:nvPr>
+            <p:ph type="sldImg"/>
+          </p:nvPr>
+        </p:nvSpPr>
+        <p:spPr/>
+      </p:sp>
+      <p:sp>
+        <p:nvSpPr>
+          <p:cNvPr id="3" name="Espace réservé des notes 2"/>
+          <p:cNvSpPr>
+            <a:spLocks noGrp="1"/>
+          </p:cNvSpPr>
+          <p:nvPr>
+            <p:ph type="body" idx="1"/>
+          </p:nvPr>
+        </p:nvSpPr>
+        <p:spPr/>
+        <p:txBody>
+          <a:bodyPr/>
+          <a:lstStyle/>
+          <a:p>
+            <a:r>
+              <a:rPr lang="fr-CH" dirty="0"/>
+              <a:t>https://scicomp.stackexchange.com/questions/7819/gradient-descent-and-conjugate-gradient-descent</a:t>
+            </a:r>
+          </a:p>
+          <a:p>
+            <a:endParaRPr lang="fr-CH" dirty="0"/>
+          </a:p>
+        </p:txBody>
+      </p:sp>
+      <p:sp>
+        <p:nvSpPr>
+          <p:cNvPr id="4" name="Espace réservé du numéro de diapositive 3"/>
+          <p:cNvSpPr>
+            <a:spLocks noGrp="1"/>
+          </p:cNvSpPr>
+          <p:nvPr>
+            <p:ph type="sldNum" sz="quarter" idx="5"/>
+          </p:nvPr>
+        </p:nvSpPr>
+        <p:spPr/>
+        <p:txBody>
+          <a:bodyPr/>
+          <a:lstStyle/>
+          <a:p>
+            <a:fld id="{B3B6B990-FF07-4B71-A14A-2D22C504A243}" type="slidenum">
+              <a:rPr lang="fr-CH" smtClean="0"/>
+              <a:t>5</a:t>
+            </a:fld>
+            <a:endParaRPr lang="fr-CH"/>
+          </a:p>
+        </p:txBody>
+      </p:sp>
+    </p:spTree>
+    <p:extLst>
+      <p:ext uri="{BB962C8B-B14F-4D97-AF65-F5344CB8AC3E}">
+        <p14:creationId xmlns:p14="http://schemas.microsoft.com/office/powerpoint/2010/main" val="4043404220"/>
+      </p:ext>
+    </p:extLst>
+  </p:cSld>
+  <p:clrMapOvr>
+    <a:masterClrMapping/>
+  </p:clrMapOvr>
+</p:notes>
 </file>
 
 <file path=ppt/slideLayouts/slideLayout1.xml><?xml version="1.0" encoding="utf-8"?>
@@ -261,7 +711,7 @@
           <a:p>
             <a:fld id="{9287C8B9-BD8B-45B3-B3A5-2DCE94645F7A}" type="datetimeFigureOut">
               <a:rPr lang="fr-CH" smtClean="0"/>
-              <a:t>10.06.2021</a:t>
+              <a:t>12.06.2021</a:t>
             </a:fld>
             <a:endParaRPr lang="fr-CH"/>
           </a:p>
@@ -461,7 +911,7 @@
           <a:p>
             <a:fld id="{9287C8B9-BD8B-45B3-B3A5-2DCE94645F7A}" type="datetimeFigureOut">
               <a:rPr lang="fr-CH" smtClean="0"/>
-              <a:t>10.06.2021</a:t>
+              <a:t>12.06.2021</a:t>
             </a:fld>
             <a:endParaRPr lang="fr-CH"/>
           </a:p>
@@ -671,7 +1121,7 @@
           <a:p>
             <a:fld id="{9287C8B9-BD8B-45B3-B3A5-2DCE94645F7A}" type="datetimeFigureOut">
               <a:rPr lang="fr-CH" smtClean="0"/>
-              <a:t>10.06.2021</a:t>
+              <a:t>12.06.2021</a:t>
             </a:fld>
             <a:endParaRPr lang="fr-CH"/>
           </a:p>
@@ -871,7 +1321,7 @@
           <a:p>
             <a:fld id="{9287C8B9-BD8B-45B3-B3A5-2DCE94645F7A}" type="datetimeFigureOut">
               <a:rPr lang="fr-CH" smtClean="0"/>
-              <a:t>10.06.2021</a:t>
+              <a:t>12.06.2021</a:t>
             </a:fld>
             <a:endParaRPr lang="fr-CH"/>
           </a:p>
@@ -1147,7 +1597,7 @@
           <a:p>
             <a:fld id="{9287C8B9-BD8B-45B3-B3A5-2DCE94645F7A}" type="datetimeFigureOut">
               <a:rPr lang="fr-CH" smtClean="0"/>
-              <a:t>10.06.2021</a:t>
+              <a:t>12.06.2021</a:t>
             </a:fld>
             <a:endParaRPr lang="fr-CH"/>
           </a:p>
@@ -1415,7 +1865,7 @@
           <a:p>
             <a:fld id="{9287C8B9-BD8B-45B3-B3A5-2DCE94645F7A}" type="datetimeFigureOut">
               <a:rPr lang="fr-CH" smtClean="0"/>
-              <a:t>10.06.2021</a:t>
+              <a:t>12.06.2021</a:t>
             </a:fld>
             <a:endParaRPr lang="fr-CH"/>
           </a:p>
@@ -1830,7 +2280,7 @@
           <a:p>
             <a:fld id="{9287C8B9-BD8B-45B3-B3A5-2DCE94645F7A}" type="datetimeFigureOut">
               <a:rPr lang="fr-CH" smtClean="0"/>
-              <a:t>10.06.2021</a:t>
+              <a:t>12.06.2021</a:t>
             </a:fld>
             <a:endParaRPr lang="fr-CH"/>
           </a:p>
@@ -1972,7 +2422,7 @@
           <a:p>
             <a:fld id="{9287C8B9-BD8B-45B3-B3A5-2DCE94645F7A}" type="datetimeFigureOut">
               <a:rPr lang="fr-CH" smtClean="0"/>
-              <a:t>10.06.2021</a:t>
+              <a:t>12.06.2021</a:t>
             </a:fld>
             <a:endParaRPr lang="fr-CH"/>
           </a:p>
@@ -2085,7 +2535,7 @@
           <a:p>
             <a:fld id="{9287C8B9-BD8B-45B3-B3A5-2DCE94645F7A}" type="datetimeFigureOut">
               <a:rPr lang="fr-CH" smtClean="0"/>
-              <a:t>10.06.2021</a:t>
+              <a:t>12.06.2021</a:t>
             </a:fld>
             <a:endParaRPr lang="fr-CH"/>
           </a:p>
@@ -2398,7 +2848,7 @@
           <a:p>
             <a:fld id="{9287C8B9-BD8B-45B3-B3A5-2DCE94645F7A}" type="datetimeFigureOut">
               <a:rPr lang="fr-CH" smtClean="0"/>
-              <a:t>10.06.2021</a:t>
+              <a:t>12.06.2021</a:t>
             </a:fld>
             <a:endParaRPr lang="fr-CH"/>
           </a:p>
@@ -2687,7 +3137,7 @@
           <a:p>
             <a:fld id="{9287C8B9-BD8B-45B3-B3A5-2DCE94645F7A}" type="datetimeFigureOut">
               <a:rPr lang="fr-CH" smtClean="0"/>
-              <a:t>10.06.2021</a:t>
+              <a:t>12.06.2021</a:t>
             </a:fld>
             <a:endParaRPr lang="fr-CH"/>
           </a:p>
@@ -2930,7 +3380,7 @@
           <a:p>
             <a:fld id="{9287C8B9-BD8B-45B3-B3A5-2DCE94645F7A}" type="datetimeFigureOut">
               <a:rPr lang="fr-CH" smtClean="0"/>
-              <a:t>10.06.2021</a:t>
+              <a:t>12.06.2021</a:t>
             </a:fld>
             <a:endParaRPr lang="fr-CH"/>
           </a:p>
@@ -3942,7 +4392,46 @@
           <a:bodyPr/>
           <a:lstStyle/>
           <a:p>
-            <a:endParaRPr lang="fr-CH" dirty="0"/>
+            <a:r>
+              <a:rPr lang="fr-CH" dirty="0"/>
+              <a:t>Toutes les images d’entrainement dans un dossier</a:t>
+            </a:r>
+          </a:p>
+          <a:p>
+            <a:r>
+              <a:rPr lang="fr-CH" dirty="0"/>
+              <a:t>Image remplies avec chacune une lettre </a:t>
+            </a:r>
+          </a:p>
+          <a:p>
+            <a:r>
+              <a:rPr lang="fr-CH" dirty="0"/>
+              <a:t>Extraction des «cases» (89x69)</a:t>
+            </a:r>
+          </a:p>
+          <a:p>
+            <a:r>
+              <a:rPr lang="fr-CH" dirty="0"/>
+              <a:t>Stockage de chaque lettre dans une case avec son label associé</a:t>
+            </a:r>
+          </a:p>
+          <a:p>
+            <a:r>
+              <a:rPr lang="fr-CH" dirty="0"/>
+              <a:t>Check si la case est remplie</a:t>
+            </a:r>
+          </a:p>
+          <a:p>
+            <a:r>
+              <a:rPr lang="fr-CH" dirty="0"/>
+              <a:t>Effacement des bruits</a:t>
+            </a:r>
+          </a:p>
+          <a:p>
+            <a:r>
+              <a:rPr lang="fr-CH" dirty="0"/>
+              <a:t>Redimensionnement de facteur 0.5</a:t>
+            </a:r>
           </a:p>
         </p:txBody>
       </p:sp>
@@ -4030,7 +4519,47 @@
           <a:bodyPr/>
           <a:lstStyle/>
           <a:p>
-            <a:endParaRPr lang="fr-CH"/>
+            <a:r>
+              <a:rPr lang="fr-CH" dirty="0"/>
+              <a:t>50 images remplies avec une lettre</a:t>
+            </a:r>
+          </a:p>
+          <a:p>
+            <a:r>
+              <a:rPr lang="fr-CH" dirty="0"/>
+              <a:t>Lecture des images de M. Lavanchy </a:t>
+            </a:r>
+          </a:p>
+          <a:p>
+            <a:r>
+              <a:rPr lang="fr-CH" dirty="0">
+                <a:sym typeface="Wingdings" panose="05000000000000000000" pitchFamily="2" charset="2"/>
+              </a:rPr>
+              <a:t> </a:t>
+            </a:r>
+            <a:r>
+              <a:rPr lang="fr-CH" dirty="0" err="1">
+                <a:sym typeface="Wingdings" panose="05000000000000000000" pitchFamily="2" charset="2"/>
+              </a:rPr>
+              <a:t>Dataset</a:t>
+            </a:r>
+            <a:r>
+              <a:rPr lang="fr-CH" dirty="0">
+                <a:sym typeface="Wingdings" panose="05000000000000000000" pitchFamily="2" charset="2"/>
+              </a:rPr>
+              <a:t> de 1575 ( Image de 45x35 pixels) par 5786 (Exemples)</a:t>
+            </a:r>
+          </a:p>
+          <a:p>
+            <a:r>
+              <a:rPr lang="fr-CH" dirty="0">
+                <a:sym typeface="Wingdings" panose="05000000000000000000" pitchFamily="2" charset="2"/>
+              </a:rPr>
+              <a:t>Labels de 1x5786 (Avec labels de 1…26) ou 26x5786 (Avec vecteurs)</a:t>
+            </a:r>
+          </a:p>
+          <a:p>
+            <a:endParaRPr lang="fr-CH" dirty="0"/>
           </a:p>
         </p:txBody>
       </p:sp>
@@ -4113,7 +4642,114 @@
           <a:bodyPr/>
           <a:lstStyle/>
           <a:p>
-            <a:endParaRPr lang="fr-CH" dirty="0"/>
+            <a:r>
+              <a:rPr lang="fr-CH" dirty="0" err="1"/>
+              <a:t>Dataset</a:t>
+            </a:r>
+            <a:r>
+              <a:rPr lang="fr-CH" dirty="0"/>
+              <a:t> </a:t>
+            </a:r>
+            <a:r>
+              <a:rPr lang="fr-CH" dirty="0" err="1"/>
+              <a:t>Xnet</a:t>
+            </a:r>
+            <a:r>
+              <a:rPr lang="fr-CH" dirty="0"/>
+              <a:t> : 1575x5786 (Exemples), </a:t>
+            </a:r>
+            <a:r>
+              <a:rPr lang="fr-CH" dirty="0" err="1"/>
+              <a:t>Ynet</a:t>
+            </a:r>
+            <a:r>
+              <a:rPr lang="fr-CH" dirty="0"/>
+              <a:t> : 26x5786</a:t>
+            </a:r>
+          </a:p>
+          <a:p>
+            <a:r>
+              <a:rPr lang="fr-CH" dirty="0"/>
+              <a:t>Fonction d’entrainement ‘</a:t>
+            </a:r>
+            <a:r>
+              <a:rPr lang="fr-CH" dirty="0" err="1"/>
+              <a:t>trainscg</a:t>
+            </a:r>
+            <a:r>
+              <a:rPr lang="fr-CH" dirty="0"/>
+              <a:t>’ : </a:t>
+            </a:r>
+            <a:r>
+              <a:rPr lang="fr-CH" dirty="0" err="1"/>
+              <a:t>Scaled</a:t>
+            </a:r>
+            <a:r>
+              <a:rPr lang="fr-CH" dirty="0"/>
+              <a:t> </a:t>
+            </a:r>
+            <a:r>
+              <a:rPr lang="fr-CH" dirty="0" err="1"/>
+              <a:t>Conjugate</a:t>
+            </a:r>
+            <a:r>
+              <a:rPr lang="fr-CH" dirty="0"/>
+              <a:t> Gradient </a:t>
+            </a:r>
+            <a:r>
+              <a:rPr lang="fr-CH" dirty="0" err="1"/>
+              <a:t>Descent</a:t>
+            </a:r>
+            <a:r>
+              <a:rPr lang="fr-CH" dirty="0"/>
+              <a:t> (Utilisation d’une méthode d’orthogonalisation du vecteur de gradient) </a:t>
+            </a:r>
+          </a:p>
+          <a:p>
+            <a:r>
+              <a:rPr lang="fr-CH" dirty="0"/>
+              <a:t>Paramètre de régularisation : Lambda = 0.3</a:t>
+            </a:r>
+          </a:p>
+          <a:p>
+            <a:r>
+              <a:rPr lang="fr-CH" dirty="0" err="1"/>
+              <a:t>Epochs</a:t>
+            </a:r>
+            <a:r>
+              <a:rPr lang="fr-CH" dirty="0"/>
+              <a:t> </a:t>
+            </a:r>
+            <a:r>
+              <a:rPr lang="fr-CH" dirty="0" err="1"/>
+              <a:t>number</a:t>
+            </a:r>
+            <a:r>
+              <a:rPr lang="fr-CH" dirty="0"/>
+              <a:t> : </a:t>
+            </a:r>
+            <a:r>
+              <a:rPr lang="fr-CH" dirty="0" err="1"/>
+              <a:t>nIter</a:t>
+            </a:r>
+            <a:r>
+              <a:rPr lang="fr-CH" dirty="0"/>
+              <a:t> = 300 (Training </a:t>
+            </a:r>
+            <a:r>
+              <a:rPr lang="fr-CH" dirty="0" err="1"/>
+              <a:t>automatically</a:t>
+            </a:r>
+            <a:r>
+              <a:rPr lang="fr-CH" dirty="0"/>
+              <a:t> stops)</a:t>
+            </a:r>
+          </a:p>
+          <a:p>
+            <a:r>
+              <a:rPr lang="fr-CH" dirty="0"/>
+              <a:t>Training Ratio : 60%, Validation : 20%, test : 20%</a:t>
+            </a:r>
           </a:p>
         </p:txBody>
       </p:sp>
@@ -4152,6 +4788,99 @@
           <p:cNvPr id="2" name="Titre 1">
             <a:extLst>
               <a:ext uri="{FF2B5EF4-FFF2-40B4-BE49-F238E27FC236}">
+                <a16:creationId xmlns:a16="http://schemas.microsoft.com/office/drawing/2014/main" id="{7B573B96-D755-47DD-B590-9E7388D1AC75}"/>
+              </a:ext>
+            </a:extLst>
+          </p:cNvPr>
+          <p:cNvSpPr>
+            <a:spLocks noGrp="1"/>
+          </p:cNvSpPr>
+          <p:nvPr>
+            <p:ph type="title"/>
+          </p:nvPr>
+        </p:nvSpPr>
+        <p:spPr/>
+        <p:txBody>
+          <a:bodyPr/>
+          <a:lstStyle/>
+          <a:p>
+            <a:r>
+              <a:rPr lang="fr-CH" u="sng" dirty="0"/>
+              <a:t>Performances du NN</a:t>
+            </a:r>
+          </a:p>
+        </p:txBody>
+      </p:sp>
+      <p:pic>
+        <p:nvPicPr>
+          <p:cNvPr id="5" name="Espace réservé du contenu 4">
+            <a:extLst>
+              <a:ext uri="{FF2B5EF4-FFF2-40B4-BE49-F238E27FC236}">
+                <a16:creationId xmlns:a16="http://schemas.microsoft.com/office/drawing/2014/main" id="{EE81F84A-E8E2-4483-AB67-F658473DEFC9}"/>
+              </a:ext>
+            </a:extLst>
+          </p:cNvPr>
+          <p:cNvPicPr>
+            <a:picLocks noGrp="1" noChangeAspect="1"/>
+          </p:cNvPicPr>
+          <p:nvPr>
+            <p:ph idx="1"/>
+          </p:nvPr>
+        </p:nvPicPr>
+        <p:blipFill>
+          <a:blip r:embed="rId2">
+            <a:extLst>
+              <a:ext uri="{28A0092B-C50C-407E-A947-70E740481C1C}">
+                <a14:useLocalDpi xmlns:a14="http://schemas.microsoft.com/office/drawing/2010/main" val="0"/>
+              </a:ext>
+            </a:extLst>
+          </a:blip>
+          <a:stretch>
+            <a:fillRect/>
+          </a:stretch>
+        </p:blipFill>
+        <p:spPr>
+          <a:xfrm>
+            <a:off x="3195108" y="1825625"/>
+            <a:ext cx="5801784" cy="4351338"/>
+          </a:xfrm>
+        </p:spPr>
+      </p:pic>
+    </p:spTree>
+    <p:extLst>
+      <p:ext uri="{BB962C8B-B14F-4D97-AF65-F5344CB8AC3E}">
+        <p14:creationId xmlns:p14="http://schemas.microsoft.com/office/powerpoint/2010/main" val="1002392188"/>
+      </p:ext>
+    </p:extLst>
+  </p:cSld>
+  <p:clrMapOvr>
+    <a:masterClrMapping/>
+  </p:clrMapOvr>
+</p:sld>
+</file>
+
+<file path=ppt/slides/slide7.xml><?xml version="1.0" encoding="utf-8"?>
+<p:sld xmlns:a="http://schemas.openxmlformats.org/drawingml/2006/main" xmlns:r="http://schemas.openxmlformats.org/officeDocument/2006/relationships" xmlns:p="http://schemas.openxmlformats.org/presentationml/2006/main">
+  <p:cSld>
+    <p:spTree>
+      <p:nvGrpSpPr>
+        <p:cNvPr id="1" name=""/>
+        <p:cNvGrpSpPr/>
+        <p:nvPr/>
+      </p:nvGrpSpPr>
+      <p:grpSpPr>
+        <a:xfrm>
+          <a:off x="0" y="0"/>
+          <a:ext cx="0" cy="0"/>
+          <a:chOff x="0" y="0"/>
+          <a:chExt cx="0" cy="0"/>
+        </a:xfrm>
+      </p:grpSpPr>
+      <p:sp>
+        <p:nvSpPr>
+          <p:cNvPr id="2" name="Titre 1">
+            <a:extLst>
+              <a:ext uri="{FF2B5EF4-FFF2-40B4-BE49-F238E27FC236}">
                 <a16:creationId xmlns:a16="http://schemas.microsoft.com/office/drawing/2014/main" id="{F7EDEB44-3597-4E56-9E4E-7004B451BDA1}"/>
               </a:ext>
             </a:extLst>
@@ -4199,7 +4928,108 @@
           <a:bodyPr/>
           <a:lstStyle/>
           <a:p>
-            <a:endParaRPr lang="fr-CH"/>
+            <a:r>
+              <a:rPr lang="fr-CH" dirty="0"/>
+              <a:t>Utilisation de l’app «Classification </a:t>
+            </a:r>
+            <a:r>
+              <a:rPr lang="fr-CH" dirty="0" err="1"/>
+              <a:t>Learner</a:t>
+            </a:r>
+            <a:r>
+              <a:rPr lang="fr-CH" dirty="0"/>
+              <a:t>»</a:t>
+            </a:r>
+          </a:p>
+          <a:p>
+            <a:r>
+              <a:rPr lang="fr-CH" dirty="0" err="1"/>
+              <a:t>Dataset</a:t>
+            </a:r>
+            <a:r>
+              <a:rPr lang="fr-CH" dirty="0"/>
+              <a:t> :</a:t>
+            </a:r>
+          </a:p>
+          <a:p>
+            <a:pPr lvl="1"/>
+            <a:r>
+              <a:rPr lang="fr-CH" dirty="0" err="1"/>
+              <a:t>Xsvm</a:t>
+            </a:r>
+            <a:r>
+              <a:rPr lang="fr-CH" dirty="0"/>
+              <a:t> = </a:t>
+            </a:r>
+            <a:r>
+              <a:rPr lang="fr-CH" dirty="0" err="1"/>
+              <a:t>Xnet</a:t>
+            </a:r>
+            <a:r>
+              <a:rPr lang="fr-CH" dirty="0"/>
+              <a:t>’; </a:t>
+            </a:r>
+            <a:r>
+              <a:rPr lang="fr-CH" dirty="0">
+                <a:sym typeface="Wingdings" panose="05000000000000000000" pitchFamily="2" charset="2"/>
+              </a:rPr>
+              <a:t> </a:t>
+            </a:r>
+            <a:r>
+              <a:rPr lang="fr-CH" dirty="0" err="1">
+                <a:sym typeface="Wingdings" panose="05000000000000000000" pitchFamily="2" charset="2"/>
+              </a:rPr>
+              <a:t>Xsvm</a:t>
+            </a:r>
+            <a:r>
+              <a:rPr lang="fr-CH" dirty="0">
+                <a:sym typeface="Wingdings" panose="05000000000000000000" pitchFamily="2" charset="2"/>
+              </a:rPr>
+              <a:t> = 5786x1575</a:t>
+            </a:r>
+          </a:p>
+          <a:p>
+            <a:pPr lvl="1"/>
+            <a:r>
+              <a:rPr lang="fr-CH" dirty="0" err="1">
+                <a:sym typeface="Wingdings" panose="05000000000000000000" pitchFamily="2" charset="2"/>
+              </a:rPr>
+              <a:t>Ysvm</a:t>
+            </a:r>
+            <a:r>
+              <a:rPr lang="fr-CH" dirty="0">
+                <a:sym typeface="Wingdings" panose="05000000000000000000" pitchFamily="2" charset="2"/>
+              </a:rPr>
+              <a:t> = 5786x1 (label classifié entre 1 et 26)</a:t>
+            </a:r>
+          </a:p>
+          <a:p>
+            <a:pPr lvl="1"/>
+            <a:r>
+              <a:rPr lang="fr-CH" dirty="0" err="1">
+                <a:sym typeface="Wingdings" panose="05000000000000000000" pitchFamily="2" charset="2"/>
+              </a:rPr>
+              <a:t>datasSvm</a:t>
+            </a:r>
+            <a:r>
+              <a:rPr lang="fr-CH" dirty="0">
+                <a:sym typeface="Wingdings" panose="05000000000000000000" pitchFamily="2" charset="2"/>
+              </a:rPr>
+              <a:t> = [</a:t>
+            </a:r>
+            <a:r>
+              <a:rPr lang="fr-CH" dirty="0" err="1">
+                <a:sym typeface="Wingdings" panose="05000000000000000000" pitchFamily="2" charset="2"/>
+              </a:rPr>
+              <a:t>Xsvm,Ysvm</a:t>
+            </a:r>
+            <a:r>
+              <a:rPr lang="fr-CH" dirty="0">
+                <a:sym typeface="Wingdings" panose="05000000000000000000" pitchFamily="2" charset="2"/>
+              </a:rPr>
+              <a:t>];  Pour l’app, mettre a la fin de chaque exemple (ligne), son label.</a:t>
+            </a:r>
+            <a:endParaRPr lang="fr-CH" dirty="0"/>
           </a:p>
         </p:txBody>
       </p:sp>
@@ -4207,6 +5037,89 @@
     <p:extLst>
       <p:ext uri="{BB962C8B-B14F-4D97-AF65-F5344CB8AC3E}">
         <p14:creationId xmlns:p14="http://schemas.microsoft.com/office/powerpoint/2010/main" val="1356643606"/>
+      </p:ext>
+    </p:extLst>
+  </p:cSld>
+  <p:clrMapOvr>
+    <a:masterClrMapping/>
+  </p:clrMapOvr>
+</p:sld>
+</file>
+
+<file path=ppt/slides/slide8.xml><?xml version="1.0" encoding="utf-8"?>
+<p:sld xmlns:a="http://schemas.openxmlformats.org/drawingml/2006/main" xmlns:r="http://schemas.openxmlformats.org/officeDocument/2006/relationships" xmlns:p="http://schemas.openxmlformats.org/presentationml/2006/main">
+  <p:cSld>
+    <p:spTree>
+      <p:nvGrpSpPr>
+        <p:cNvPr id="1" name=""/>
+        <p:cNvGrpSpPr/>
+        <p:nvPr/>
+      </p:nvGrpSpPr>
+      <p:grpSpPr>
+        <a:xfrm>
+          <a:off x="0" y="0"/>
+          <a:ext cx="0" cy="0"/>
+          <a:chOff x="0" y="0"/>
+          <a:chExt cx="0" cy="0"/>
+        </a:xfrm>
+      </p:grpSpPr>
+      <p:sp>
+        <p:nvSpPr>
+          <p:cNvPr id="2" name="Titre 1">
+            <a:extLst>
+              <a:ext uri="{FF2B5EF4-FFF2-40B4-BE49-F238E27FC236}">
+                <a16:creationId xmlns:a16="http://schemas.microsoft.com/office/drawing/2014/main" id="{C9C2C0BC-2F24-40B9-8BF4-345202B2AF47}"/>
+              </a:ext>
+            </a:extLst>
+          </p:cNvPr>
+          <p:cNvSpPr>
+            <a:spLocks noGrp="1"/>
+          </p:cNvSpPr>
+          <p:nvPr>
+            <p:ph type="title"/>
+          </p:nvPr>
+        </p:nvSpPr>
+        <p:spPr/>
+        <p:txBody>
+          <a:bodyPr/>
+          <a:lstStyle/>
+          <a:p>
+            <a:r>
+              <a:rPr lang="fr-CH" u="sng" dirty="0"/>
+              <a:t>Performances SVM</a:t>
+            </a:r>
+          </a:p>
+        </p:txBody>
+      </p:sp>
+      <p:sp>
+        <p:nvSpPr>
+          <p:cNvPr id="3" name="Espace réservé du contenu 2">
+            <a:extLst>
+              <a:ext uri="{FF2B5EF4-FFF2-40B4-BE49-F238E27FC236}">
+                <a16:creationId xmlns:a16="http://schemas.microsoft.com/office/drawing/2014/main" id="{A7C6281B-757B-4355-ACC5-9373C00ABFFE}"/>
+              </a:ext>
+            </a:extLst>
+          </p:cNvPr>
+          <p:cNvSpPr>
+            <a:spLocks noGrp="1"/>
+          </p:cNvSpPr>
+          <p:nvPr>
+            <p:ph idx="1"/>
+          </p:nvPr>
+        </p:nvSpPr>
+        <p:spPr/>
+        <p:txBody>
+          <a:bodyPr/>
+          <a:lstStyle/>
+          <a:p>
+            <a:endParaRPr lang="fr-CH"/>
+          </a:p>
+        </p:txBody>
+      </p:sp>
+    </p:spTree>
+    <p:extLst>
+      <p:ext uri="{BB962C8B-B14F-4D97-AF65-F5344CB8AC3E}">
+        <p14:creationId xmlns:p14="http://schemas.microsoft.com/office/powerpoint/2010/main" val="2254049188"/>
       </p:ext>
     </p:extLst>
   </p:cSld>
@@ -4509,4 +5422,299 @@
     </a:ext>
   </a:extLst>
 </a:theme>
+</file>
+
+<file path=ppt/theme/theme2.xml><?xml version="1.0" encoding="utf-8"?>
+<a:theme xmlns:a="http://schemas.openxmlformats.org/drawingml/2006/main" name="Thème Office">
+  <a:themeElements>
+    <a:clrScheme name="Office">
+      <a:dk1>
+        <a:sysClr val="windowText" lastClr="000000"/>
+      </a:dk1>
+      <a:lt1>
+        <a:sysClr val="window" lastClr="FFFFFF"/>
+      </a:lt1>
+      <a:dk2>
+        <a:srgbClr val="44546A"/>
+      </a:dk2>
+      <a:lt2>
+        <a:srgbClr val="E7E6E6"/>
+      </a:lt2>
+      <a:accent1>
+        <a:srgbClr val="4472C4"/>
+      </a:accent1>
+      <a:accent2>
+        <a:srgbClr val="ED7D31"/>
+      </a:accent2>
+      <a:accent3>
+        <a:srgbClr val="A5A5A5"/>
+      </a:accent3>
+      <a:accent4>
+        <a:srgbClr val="FFC000"/>
+      </a:accent4>
+      <a:accent5>
+        <a:srgbClr val="5B9BD5"/>
+      </a:accent5>
+      <a:accent6>
+        <a:srgbClr val="70AD47"/>
+      </a:accent6>
+      <a:hlink>
+        <a:srgbClr val="0563C1"/>
+      </a:hlink>
+      <a:folHlink>
+        <a:srgbClr val="954F72"/>
+      </a:folHlink>
+    </a:clrScheme>
+    <a:fontScheme name="Office">
+      <a:majorFont>
+        <a:latin typeface="Calibri Light" panose="020F0302020204030204"/>
+        <a:ea typeface=""/>
+        <a:cs typeface=""/>
+        <a:font script="Jpan" typeface="游ゴシック Light"/>
+        <a:font script="Hang" typeface="맑은 고딕"/>
+        <a:font script="Hans" typeface="等线 Light"/>
+        <a:font script="Hant" typeface="新細明體"/>
+        <a:font script="Arab" typeface="Times New Roman"/>
+        <a:font script="Hebr" typeface="Times New Roman"/>
+        <a:font script="Thai" typeface="Angsana New"/>
+        <a:font script="Ethi" typeface="Nyala"/>
+        <a:font script="Beng" typeface="Vrinda"/>
+        <a:font script="Gujr" typeface="Shruti"/>
+        <a:font script="Khmr" typeface="MoolBoran"/>
+        <a:font script="Knda" typeface="Tunga"/>
+        <a:font script="Guru" typeface="Raavi"/>
+        <a:font script="Cans" typeface="Euphemia"/>
+        <a:font script="Cher" typeface="Plantagenet Cherokee"/>
+        <a:font script="Yiii" typeface="Microsoft Yi Baiti"/>
+        <a:font script="Tibt" typeface="Microsoft Himalaya"/>
+        <a:font script="Thaa" typeface="MV Boli"/>
+        <a:font script="Deva" typeface="Mangal"/>
+        <a:font script="Telu" typeface="Gautami"/>
+        <a:font script="Taml" typeface="Latha"/>
+        <a:font script="Syrc" typeface="Estrangelo Edessa"/>
+        <a:font script="Orya" typeface="Kalinga"/>
+        <a:font script="Mlym" typeface="Kartika"/>
+        <a:font script="Laoo" typeface="DokChampa"/>
+        <a:font script="Sinh" typeface="Iskoola Pota"/>
+        <a:font script="Mong" typeface="Mongolian Baiti"/>
+        <a:font script="Viet" typeface="Times New Roman"/>
+        <a:font script="Uigh" typeface="Microsoft Uighur"/>
+        <a:font script="Geor" typeface="Sylfaen"/>
+        <a:font script="Armn" typeface="Arial"/>
+        <a:font script="Bugi" typeface="Leelawadee UI"/>
+        <a:font script="Bopo" typeface="Microsoft JhengHei"/>
+        <a:font script="Java" typeface="Javanese Text"/>
+        <a:font script="Lisu" typeface="Segoe UI"/>
+        <a:font script="Mymr" typeface="Myanmar Text"/>
+        <a:font script="Nkoo" typeface="Ebrima"/>
+        <a:font script="Olck" typeface="Nirmala UI"/>
+        <a:font script="Osma" typeface="Ebrima"/>
+        <a:font script="Phag" typeface="Phagspa"/>
+        <a:font script="Syrn" typeface="Estrangelo Edessa"/>
+        <a:font script="Syrj" typeface="Estrangelo Edessa"/>
+        <a:font script="Syre" typeface="Estrangelo Edessa"/>
+        <a:font script="Sora" typeface="Nirmala UI"/>
+        <a:font script="Tale" typeface="Microsoft Tai Le"/>
+        <a:font script="Talu" typeface="Microsoft New Tai Lue"/>
+        <a:font script="Tfng" typeface="Ebrima"/>
+      </a:majorFont>
+      <a:minorFont>
+        <a:latin typeface="Calibri" panose="020F0502020204030204"/>
+        <a:ea typeface=""/>
+        <a:cs typeface=""/>
+        <a:font script="Jpan" typeface="游ゴシック"/>
+        <a:font script="Hang" typeface="맑은 고딕"/>
+        <a:font script="Hans" typeface="等线"/>
+        <a:font script="Hant" typeface="新細明體"/>
+        <a:font script="Arab" typeface="Arial"/>
+        <a:font script="Hebr" typeface="Arial"/>
+        <a:font script="Thai" typeface="Cordia New"/>
+        <a:font script="Ethi" typeface="Nyala"/>
+        <a:font script="Beng" typeface="Vrinda"/>
+        <a:font script="Gujr" typeface="Shruti"/>
+        <a:font script="Khmr" typeface="DaunPenh"/>
+        <a:font script="Knda" typeface="Tunga"/>
+        <a:font script="Guru" typeface="Raavi"/>
+        <a:font script="Cans" typeface="Euphemia"/>
+        <a:font script="Cher" typeface="Plantagenet Cherokee"/>
+        <a:font script="Yiii" typeface="Microsoft Yi Baiti"/>
+        <a:font script="Tibt" typeface="Microsoft Himalaya"/>
+        <a:font script="Thaa" typeface="MV Boli"/>
+        <a:font script="Deva" typeface="Mangal"/>
+        <a:font script="Telu" typeface="Gautami"/>
+        <a:font script="Taml" typeface="Latha"/>
+        <a:font script="Syrc" typeface="Estrangelo Edessa"/>
+        <a:font script="Orya" typeface="Kalinga"/>
+        <a:font script="Mlym" typeface="Kartika"/>
+        <a:font script="Laoo" typeface="DokChampa"/>
+        <a:font script="Sinh" typeface="Iskoola Pota"/>
+        <a:font script="Mong" typeface="Mongolian Baiti"/>
+        <a:font script="Viet" typeface="Arial"/>
+        <a:font script="Uigh" typeface="Microsoft Uighur"/>
+        <a:font script="Geor" typeface="Sylfaen"/>
+        <a:font script="Armn" typeface="Arial"/>
+        <a:font script="Bugi" typeface="Leelawadee UI"/>
+        <a:font script="Bopo" typeface="Microsoft JhengHei"/>
+        <a:font script="Java" typeface="Javanese Text"/>
+        <a:font script="Lisu" typeface="Segoe UI"/>
+        <a:font script="Mymr" typeface="Myanmar Text"/>
+        <a:font script="Nkoo" typeface="Ebrima"/>
+        <a:font script="Olck" typeface="Nirmala UI"/>
+        <a:font script="Osma" typeface="Ebrima"/>
+        <a:font script="Phag" typeface="Phagspa"/>
+        <a:font script="Syrn" typeface="Estrangelo Edessa"/>
+        <a:font script="Syrj" typeface="Estrangelo Edessa"/>
+        <a:font script="Syre" typeface="Estrangelo Edessa"/>
+        <a:font script="Sora" typeface="Nirmala UI"/>
+        <a:font script="Tale" typeface="Microsoft Tai Le"/>
+        <a:font script="Talu" typeface="Microsoft New Tai Lue"/>
+        <a:font script="Tfng" typeface="Ebrima"/>
+      </a:minorFont>
+    </a:fontScheme>
+    <a:fmtScheme name="Office">
+      <a:fillStyleLst>
+        <a:solidFill>
+          <a:schemeClr val="phClr"/>
+        </a:solidFill>
+        <a:gradFill rotWithShape="1">
+          <a:gsLst>
+            <a:gs pos="0">
+              <a:schemeClr val="phClr">
+                <a:lumMod val="110000"/>
+                <a:satMod val="105000"/>
+                <a:tint val="67000"/>
+              </a:schemeClr>
+            </a:gs>
+            <a:gs pos="50000">
+              <a:schemeClr val="phClr">
+                <a:lumMod val="105000"/>
+                <a:satMod val="103000"/>
+                <a:tint val="73000"/>
+              </a:schemeClr>
+            </a:gs>
+            <a:gs pos="100000">
+              <a:schemeClr val="phClr">
+                <a:lumMod val="105000"/>
+                <a:satMod val="109000"/>
+                <a:tint val="81000"/>
+              </a:schemeClr>
+            </a:gs>
+          </a:gsLst>
+          <a:lin ang="5400000" scaled="0"/>
+        </a:gradFill>
+        <a:gradFill rotWithShape="1">
+          <a:gsLst>
+            <a:gs pos="0">
+              <a:schemeClr val="phClr">
+                <a:satMod val="103000"/>
+                <a:lumMod val="102000"/>
+                <a:tint val="94000"/>
+              </a:schemeClr>
+            </a:gs>
+            <a:gs pos="50000">
+              <a:schemeClr val="phClr">
+                <a:satMod val="110000"/>
+                <a:lumMod val="100000"/>
+                <a:shade val="100000"/>
+              </a:schemeClr>
+            </a:gs>
+            <a:gs pos="100000">
+              <a:schemeClr val="phClr">
+                <a:lumMod val="99000"/>
+                <a:satMod val="120000"/>
+                <a:shade val="78000"/>
+              </a:schemeClr>
+            </a:gs>
+          </a:gsLst>
+          <a:lin ang="5400000" scaled="0"/>
+        </a:gradFill>
+      </a:fillStyleLst>
+      <a:lnStyleLst>
+        <a:ln w="6350" cap="flat" cmpd="sng" algn="ctr">
+          <a:solidFill>
+            <a:schemeClr val="phClr"/>
+          </a:solidFill>
+          <a:prstDash val="solid"/>
+          <a:miter lim="800000"/>
+        </a:ln>
+        <a:ln w="12700" cap="flat" cmpd="sng" algn="ctr">
+          <a:solidFill>
+            <a:schemeClr val="phClr"/>
+          </a:solidFill>
+          <a:prstDash val="solid"/>
+          <a:miter lim="800000"/>
+        </a:ln>
+        <a:ln w="19050" cap="flat" cmpd="sng" algn="ctr">
+          <a:solidFill>
+            <a:schemeClr val="phClr"/>
+          </a:solidFill>
+          <a:prstDash val="solid"/>
+          <a:miter lim="800000"/>
+        </a:ln>
+      </a:lnStyleLst>
+      <a:effectStyleLst>
+        <a:effectStyle>
+          <a:effectLst/>
+        </a:effectStyle>
+        <a:effectStyle>
+          <a:effectLst/>
+        </a:effectStyle>
+        <a:effectStyle>
+          <a:effectLst>
+            <a:outerShdw blurRad="57150" dist="19050" dir="5400000" algn="ctr" rotWithShape="0">
+              <a:srgbClr val="000000">
+                <a:alpha val="63000"/>
+              </a:srgbClr>
+            </a:outerShdw>
+          </a:effectLst>
+        </a:effectStyle>
+      </a:effectStyleLst>
+      <a:bgFillStyleLst>
+        <a:solidFill>
+          <a:schemeClr val="phClr"/>
+        </a:solidFill>
+        <a:solidFill>
+          <a:schemeClr val="phClr">
+            <a:tint val="95000"/>
+            <a:satMod val="170000"/>
+          </a:schemeClr>
+        </a:solidFill>
+        <a:gradFill rotWithShape="1">
+          <a:gsLst>
+            <a:gs pos="0">
+              <a:schemeClr val="phClr">
+                <a:tint val="93000"/>
+                <a:satMod val="150000"/>
+                <a:shade val="98000"/>
+                <a:lumMod val="102000"/>
+              </a:schemeClr>
+            </a:gs>
+            <a:gs pos="50000">
+              <a:schemeClr val="phClr">
+                <a:tint val="98000"/>
+                <a:satMod val="130000"/>
+                <a:shade val="90000"/>
+                <a:lumMod val="103000"/>
+              </a:schemeClr>
+            </a:gs>
+            <a:gs pos="100000">
+              <a:schemeClr val="phClr">
+                <a:shade val="63000"/>
+                <a:satMod val="120000"/>
+              </a:schemeClr>
+            </a:gs>
+          </a:gsLst>
+          <a:lin ang="5400000" scaled="0"/>
+        </a:gradFill>
+      </a:bgFillStyleLst>
+    </a:fmtScheme>
+  </a:themeElements>
+  <a:objectDefaults/>
+  <a:extraClrSchemeLst/>
+  <a:extLst>
+    <a:ext uri="{05A4C25C-085E-4340-85A3-A5531E510DB2}">
+      <thm15:themeFamily xmlns:thm15="http://schemas.microsoft.com/office/thememl/2012/main" name="Office Theme" id="{62F939B6-93AF-4DB8-9C6B-D6C7DFDC589F}" vid="{4A3C46E8-61CC-4603-A589-7422A47A8E4A}"/>
+    </a:ext>
+  </a:extLst>
+</a:theme>
 </file>
--- a/Présentation/MachLearn_Macherel_Evard.pptx
+++ b/Présentation/MachLearn_Macherel_Evard.pptx
@@ -5,17 +5,18 @@
     <p:sldMasterId id="2147483648" r:id="rId1"/>
   </p:sldMasterIdLst>
   <p:notesMasterIdLst>
-    <p:notesMasterId r:id="rId10"/>
+    <p:notesMasterId r:id="rId11"/>
   </p:notesMasterIdLst>
   <p:sldIdLst>
     <p:sldId id="256" r:id="rId2"/>
     <p:sldId id="257" r:id="rId3"/>
     <p:sldId id="258" r:id="rId4"/>
-    <p:sldId id="259" r:id="rId5"/>
-    <p:sldId id="260" r:id="rId6"/>
-    <p:sldId id="262" r:id="rId7"/>
-    <p:sldId id="261" r:id="rId8"/>
-    <p:sldId id="263" r:id="rId9"/>
+    <p:sldId id="264" r:id="rId5"/>
+    <p:sldId id="259" r:id="rId6"/>
+    <p:sldId id="260" r:id="rId7"/>
+    <p:sldId id="262" r:id="rId8"/>
+    <p:sldId id="261" r:id="rId9"/>
+    <p:sldId id="263" r:id="rId10"/>
   </p:sldIdLst>
   <p:sldSz cx="12192000" cy="6858000"/>
   <p:notesSz cx="6858000" cy="9144000"/>
@@ -204,7 +205,7 @@
           <a:p>
             <a:fld id="{E2F1860E-01B8-47F6-BBCC-2362672351AF}" type="datetimeFigureOut">
               <a:rPr lang="fr-CH" smtClean="0"/>
-              <a:t>12.06.2021</a:t>
+              <a:t>13.06.2021</a:t>
             </a:fld>
             <a:endParaRPr lang="fr-CH"/>
           </a:p>
@@ -543,7 +544,7 @@
           <a:p>
             <a:fld id="{B3B6B990-FF07-4B71-A14A-2D22C504A243}" type="slidenum">
               <a:rPr lang="fr-CH" smtClean="0"/>
-              <a:t>5</a:t>
+              <a:t>6</a:t>
             </a:fld>
             <a:endParaRPr lang="fr-CH"/>
           </a:p>
@@ -711,7 +712,7 @@
           <a:p>
             <a:fld id="{9287C8B9-BD8B-45B3-B3A5-2DCE94645F7A}" type="datetimeFigureOut">
               <a:rPr lang="fr-CH" smtClean="0"/>
-              <a:t>12.06.2021</a:t>
+              <a:t>13.06.2021</a:t>
             </a:fld>
             <a:endParaRPr lang="fr-CH"/>
           </a:p>
@@ -911,7 +912,7 @@
           <a:p>
             <a:fld id="{9287C8B9-BD8B-45B3-B3A5-2DCE94645F7A}" type="datetimeFigureOut">
               <a:rPr lang="fr-CH" smtClean="0"/>
-              <a:t>12.06.2021</a:t>
+              <a:t>13.06.2021</a:t>
             </a:fld>
             <a:endParaRPr lang="fr-CH"/>
           </a:p>
@@ -1121,7 +1122,7 @@
           <a:p>
             <a:fld id="{9287C8B9-BD8B-45B3-B3A5-2DCE94645F7A}" type="datetimeFigureOut">
               <a:rPr lang="fr-CH" smtClean="0"/>
-              <a:t>12.06.2021</a:t>
+              <a:t>13.06.2021</a:t>
             </a:fld>
             <a:endParaRPr lang="fr-CH"/>
           </a:p>
@@ -1321,7 +1322,7 @@
           <a:p>
             <a:fld id="{9287C8B9-BD8B-45B3-B3A5-2DCE94645F7A}" type="datetimeFigureOut">
               <a:rPr lang="fr-CH" smtClean="0"/>
-              <a:t>12.06.2021</a:t>
+              <a:t>13.06.2021</a:t>
             </a:fld>
             <a:endParaRPr lang="fr-CH"/>
           </a:p>
@@ -1597,7 +1598,7 @@
           <a:p>
             <a:fld id="{9287C8B9-BD8B-45B3-B3A5-2DCE94645F7A}" type="datetimeFigureOut">
               <a:rPr lang="fr-CH" smtClean="0"/>
-              <a:t>12.06.2021</a:t>
+              <a:t>13.06.2021</a:t>
             </a:fld>
             <a:endParaRPr lang="fr-CH"/>
           </a:p>
@@ -1865,7 +1866,7 @@
           <a:p>
             <a:fld id="{9287C8B9-BD8B-45B3-B3A5-2DCE94645F7A}" type="datetimeFigureOut">
               <a:rPr lang="fr-CH" smtClean="0"/>
-              <a:t>12.06.2021</a:t>
+              <a:t>13.06.2021</a:t>
             </a:fld>
             <a:endParaRPr lang="fr-CH"/>
           </a:p>
@@ -2280,7 +2281,7 @@
           <a:p>
             <a:fld id="{9287C8B9-BD8B-45B3-B3A5-2DCE94645F7A}" type="datetimeFigureOut">
               <a:rPr lang="fr-CH" smtClean="0"/>
-              <a:t>12.06.2021</a:t>
+              <a:t>13.06.2021</a:t>
             </a:fld>
             <a:endParaRPr lang="fr-CH"/>
           </a:p>
@@ -2422,7 +2423,7 @@
           <a:p>
             <a:fld id="{9287C8B9-BD8B-45B3-B3A5-2DCE94645F7A}" type="datetimeFigureOut">
               <a:rPr lang="fr-CH" smtClean="0"/>
-              <a:t>12.06.2021</a:t>
+              <a:t>13.06.2021</a:t>
             </a:fld>
             <a:endParaRPr lang="fr-CH"/>
           </a:p>
@@ -2535,7 +2536,7 @@
           <a:p>
             <a:fld id="{9287C8B9-BD8B-45B3-B3A5-2DCE94645F7A}" type="datetimeFigureOut">
               <a:rPr lang="fr-CH" smtClean="0"/>
-              <a:t>12.06.2021</a:t>
+              <a:t>13.06.2021</a:t>
             </a:fld>
             <a:endParaRPr lang="fr-CH"/>
           </a:p>
@@ -2848,7 +2849,7 @@
           <a:p>
             <a:fld id="{9287C8B9-BD8B-45B3-B3A5-2DCE94645F7A}" type="datetimeFigureOut">
               <a:rPr lang="fr-CH" smtClean="0"/>
-              <a:t>12.06.2021</a:t>
+              <a:t>13.06.2021</a:t>
             </a:fld>
             <a:endParaRPr lang="fr-CH"/>
           </a:p>
@@ -3137,7 +3138,7 @@
           <a:p>
             <a:fld id="{9287C8B9-BD8B-45B3-B3A5-2DCE94645F7A}" type="datetimeFigureOut">
               <a:rPr lang="fr-CH" smtClean="0"/>
-              <a:t>12.06.2021</a:t>
+              <a:t>13.06.2021</a:t>
             </a:fld>
             <a:endParaRPr lang="fr-CH"/>
           </a:p>
@@ -3380,7 +3381,7 @@
           <a:p>
             <a:fld id="{9287C8B9-BD8B-45B3-B3A5-2DCE94645F7A}" type="datetimeFigureOut">
               <a:rPr lang="fr-CH" smtClean="0"/>
-              <a:t>12.06.2021</a:t>
+              <a:t>13.06.2021</a:t>
             </a:fld>
             <a:endParaRPr lang="fr-CH"/>
           </a:p>
@@ -4387,9 +4388,16 @@
             <p:ph idx="1"/>
           </p:nvPr>
         </p:nvSpPr>
-        <p:spPr/>
-        <p:txBody>
-          <a:bodyPr/>
+        <p:spPr>
+          <a:xfrm>
+            <a:off x="838199" y="1825625"/>
+            <a:ext cx="10968613" cy="4667250"/>
+          </a:xfrm>
+        </p:spPr>
+        <p:txBody>
+          <a:bodyPr>
+            <a:normAutofit/>
+          </a:bodyPr>
           <a:lstStyle/>
           <a:p>
             <a:r>
@@ -4406,6 +4414,12 @@
           <a:p>
             <a:r>
               <a:rPr lang="fr-CH" dirty="0"/>
+              <a:t>Binarisation des images puis redressement </a:t>
+            </a:r>
+          </a:p>
+          <a:p>
+            <a:r>
+              <a:rPr lang="fr-CH" dirty="0"/>
               <a:t>Extraction des «cases» (89x69)</a:t>
             </a:r>
           </a:p>
@@ -4432,6 +4446,9 @@
               <a:rPr lang="fr-CH" dirty="0"/>
               <a:t>Redimensionnement de facteur 0.5</a:t>
             </a:r>
+          </a:p>
+          <a:p>
+            <a:endParaRPr lang="fr-CH" dirty="0"/>
           </a:p>
         </p:txBody>
       </p:sp>
@@ -4470,103 +4487,234 @@
           <p:cNvPr id="2" name="Titre 1">
             <a:extLst>
               <a:ext uri="{FF2B5EF4-FFF2-40B4-BE49-F238E27FC236}">
-                <a16:creationId xmlns:a16="http://schemas.microsoft.com/office/drawing/2014/main" id="{AFC492A8-8AE3-47EB-8D2E-E0EC4BEAB85C}"/>
-              </a:ext>
-            </a:extLst>
-          </p:cNvPr>
-          <p:cNvSpPr>
-            <a:spLocks noGrp="1"/>
-          </p:cNvSpPr>
-          <p:nvPr>
-            <p:ph type="title"/>
-          </p:nvPr>
-        </p:nvSpPr>
-        <p:spPr/>
-        <p:txBody>
-          <a:bodyPr/>
-          <a:lstStyle/>
-          <a:p>
-            <a:r>
-              <a:rPr lang="fr-CH" sz="4400" b="1" u="sng" dirty="0"/>
-              <a:t>Création du </a:t>
-            </a:r>
-            <a:r>
-              <a:rPr lang="fr-CH" sz="4400" b="1" u="sng" dirty="0" err="1"/>
-              <a:t>dataset</a:t>
-            </a:r>
-            <a:endParaRPr lang="fr-CH" sz="4400" b="1" u="sng" dirty="0"/>
-          </a:p>
-        </p:txBody>
-      </p:sp>
-      <p:sp>
-        <p:nvSpPr>
-          <p:cNvPr id="3" name="Espace réservé du contenu 2">
-            <a:extLst>
-              <a:ext uri="{FF2B5EF4-FFF2-40B4-BE49-F238E27FC236}">
-                <a16:creationId xmlns:a16="http://schemas.microsoft.com/office/drawing/2014/main" id="{B93F8170-657E-4371-A1B6-3FDAA54B7662}"/>
-              </a:ext>
-            </a:extLst>
-          </p:cNvPr>
-          <p:cNvSpPr>
-            <a:spLocks noGrp="1"/>
-          </p:cNvSpPr>
-          <p:nvPr>
-            <p:ph idx="1"/>
-          </p:nvPr>
-        </p:nvSpPr>
-        <p:spPr/>
-        <p:txBody>
-          <a:bodyPr/>
-          <a:lstStyle/>
-          <a:p>
-            <a:r>
-              <a:rPr lang="fr-CH" dirty="0"/>
-              <a:t>50 images remplies avec une lettre</a:t>
-            </a:r>
-          </a:p>
-          <a:p>
-            <a:r>
-              <a:rPr lang="fr-CH" dirty="0"/>
-              <a:t>Lecture des images de M. Lavanchy </a:t>
-            </a:r>
-          </a:p>
-          <a:p>
-            <a:r>
-              <a:rPr lang="fr-CH" dirty="0">
-                <a:sym typeface="Wingdings" panose="05000000000000000000" pitchFamily="2" charset="2"/>
-              </a:rPr>
-              <a:t> </a:t>
-            </a:r>
-            <a:r>
-              <a:rPr lang="fr-CH" dirty="0" err="1">
-                <a:sym typeface="Wingdings" panose="05000000000000000000" pitchFamily="2" charset="2"/>
-              </a:rPr>
-              <a:t>Dataset</a:t>
-            </a:r>
-            <a:r>
-              <a:rPr lang="fr-CH" dirty="0">
-                <a:sym typeface="Wingdings" panose="05000000000000000000" pitchFamily="2" charset="2"/>
-              </a:rPr>
-              <a:t> de 1575 ( Image de 45x35 pixels) par 5786 (Exemples)</a:t>
-            </a:r>
-          </a:p>
-          <a:p>
-            <a:r>
-              <a:rPr lang="fr-CH" dirty="0">
-                <a:sym typeface="Wingdings" panose="05000000000000000000" pitchFamily="2" charset="2"/>
-              </a:rPr>
-              <a:t>Labels de 1x5786 (Avec labels de 1…26) ou 26x5786 (Avec vecteurs)</a:t>
-            </a:r>
-          </a:p>
-          <a:p>
-            <a:endParaRPr lang="fr-CH" dirty="0"/>
-          </a:p>
-        </p:txBody>
-      </p:sp>
+                <a16:creationId xmlns:a16="http://schemas.microsoft.com/office/drawing/2014/main" id="{247E9C97-43CD-400B-88C3-B742D5665F55}"/>
+              </a:ext>
+            </a:extLst>
+          </p:cNvPr>
+          <p:cNvSpPr txBox="1">
+            <a:spLocks/>
+          </p:cNvSpPr>
+          <p:nvPr/>
+        </p:nvSpPr>
+        <p:spPr>
+          <a:xfrm>
+            <a:off x="838199" y="204351"/>
+            <a:ext cx="10014021" cy="1011499"/>
+          </a:xfrm>
+          <a:prstGeom prst="rect">
+            <a:avLst/>
+          </a:prstGeom>
+        </p:spPr>
+        <p:txBody>
+          <a:bodyPr>
+            <a:normAutofit/>
+          </a:bodyPr>
+          <a:lstStyle>
+            <a:lvl1pPr algn="l" defTabSz="914400" rtl="0" eaLnBrk="1" latinLnBrk="0" hangingPunct="1">
+              <a:lnSpc>
+                <a:spcPct val="90000"/>
+              </a:lnSpc>
+              <a:spcBef>
+                <a:spcPct val="0"/>
+              </a:spcBef>
+              <a:buNone/>
+              <a:defRPr sz="4400" kern="1200">
+                <a:solidFill>
+                  <a:schemeClr val="tx1"/>
+                </a:solidFill>
+                <a:latin typeface="+mj-lt"/>
+                <a:ea typeface="+mj-ea"/>
+                <a:cs typeface="+mj-cs"/>
+              </a:defRPr>
+            </a:lvl1pPr>
+          </a:lstStyle>
+          <a:p>
+            <a:r>
+              <a:rPr lang="fr-CH" sz="5400" b="1" u="sng" dirty="0" err="1"/>
+              <a:t>Préprocessing</a:t>
+            </a:r>
+            <a:r>
+              <a:rPr lang="fr-CH" sz="5400" b="1" u="sng" dirty="0"/>
+              <a:t> des images</a:t>
+            </a:r>
+          </a:p>
+        </p:txBody>
+      </p:sp>
+      <p:pic>
+        <p:nvPicPr>
+          <p:cNvPr id="3" name="Image 2">
+            <a:extLst>
+              <a:ext uri="{FF2B5EF4-FFF2-40B4-BE49-F238E27FC236}">
+                <a16:creationId xmlns:a16="http://schemas.microsoft.com/office/drawing/2014/main" id="{EA9F9A98-831A-402A-95CC-6C03AE4DC221}"/>
+              </a:ext>
+            </a:extLst>
+          </p:cNvPr>
+          <p:cNvPicPr>
+            <a:picLocks noChangeAspect="1"/>
+          </p:cNvPicPr>
+          <p:nvPr/>
+        </p:nvPicPr>
+        <p:blipFill>
+          <a:blip r:embed="rId2"/>
+          <a:stretch>
+            <a:fillRect/>
+          </a:stretch>
+        </p:blipFill>
+        <p:spPr>
+          <a:xfrm>
+            <a:off x="435636" y="1391453"/>
+            <a:ext cx="3819347" cy="5400989"/>
+          </a:xfrm>
+          <a:prstGeom prst="rect">
+            <a:avLst/>
+          </a:prstGeom>
+        </p:spPr>
+      </p:pic>
+      <p:cxnSp>
+        <p:nvCxnSpPr>
+          <p:cNvPr id="5" name="Connecteur droit avec flèche 4">
+            <a:extLst>
+              <a:ext uri="{FF2B5EF4-FFF2-40B4-BE49-F238E27FC236}">
+                <a16:creationId xmlns:a16="http://schemas.microsoft.com/office/drawing/2014/main" id="{F682831B-3231-41CE-9C43-0ECAB166AA54}"/>
+              </a:ext>
+            </a:extLst>
+          </p:cNvPr>
+          <p:cNvCxnSpPr>
+            <a:cxnSpLocks/>
+          </p:cNvCxnSpPr>
+          <p:nvPr/>
+        </p:nvCxnSpPr>
+        <p:spPr>
+          <a:xfrm flipV="1">
+            <a:off x="4121075" y="3849152"/>
+            <a:ext cx="627887" cy="1"/>
+          </a:xfrm>
+          <a:prstGeom prst="straightConnector1">
+            <a:avLst/>
+          </a:prstGeom>
+          <a:ln w="76200">
+            <a:tailEnd type="triangle"/>
+          </a:ln>
+        </p:spPr>
+        <p:style>
+          <a:lnRef idx="3">
+            <a:schemeClr val="dk1"/>
+          </a:lnRef>
+          <a:fillRef idx="0">
+            <a:schemeClr val="dk1"/>
+          </a:fillRef>
+          <a:effectRef idx="2">
+            <a:schemeClr val="dk1"/>
+          </a:effectRef>
+          <a:fontRef idx="minor">
+            <a:schemeClr val="tx1"/>
+          </a:fontRef>
+        </p:style>
+      </p:cxnSp>
+      <p:cxnSp>
+        <p:nvCxnSpPr>
+          <p:cNvPr id="6" name="Connecteur droit avec flèche 5">
+            <a:extLst>
+              <a:ext uri="{FF2B5EF4-FFF2-40B4-BE49-F238E27FC236}">
+                <a16:creationId xmlns:a16="http://schemas.microsoft.com/office/drawing/2014/main" id="{A22D5E5B-DA3E-4DAD-93A9-C374F56FDD64}"/>
+              </a:ext>
+            </a:extLst>
+          </p:cNvPr>
+          <p:cNvCxnSpPr>
+            <a:cxnSpLocks/>
+          </p:cNvCxnSpPr>
+          <p:nvPr/>
+        </p:nvCxnSpPr>
+        <p:spPr>
+          <a:xfrm>
+            <a:off x="9371972" y="3659277"/>
+            <a:ext cx="963384" cy="0"/>
+          </a:xfrm>
+          <a:prstGeom prst="straightConnector1">
+            <a:avLst/>
+          </a:prstGeom>
+          <a:ln w="76200">
+            <a:tailEnd type="triangle"/>
+          </a:ln>
+        </p:spPr>
+        <p:style>
+          <a:lnRef idx="3">
+            <a:schemeClr val="dk1"/>
+          </a:lnRef>
+          <a:fillRef idx="0">
+            <a:schemeClr val="dk1"/>
+          </a:fillRef>
+          <a:effectRef idx="2">
+            <a:schemeClr val="dk1"/>
+          </a:effectRef>
+          <a:fontRef idx="minor">
+            <a:schemeClr val="tx1"/>
+          </a:fontRef>
+        </p:style>
+      </p:cxnSp>
+      <p:pic>
+        <p:nvPicPr>
+          <p:cNvPr id="9" name="Image 8">
+            <a:extLst>
+              <a:ext uri="{FF2B5EF4-FFF2-40B4-BE49-F238E27FC236}">
+                <a16:creationId xmlns:a16="http://schemas.microsoft.com/office/drawing/2014/main" id="{37042D67-6A0E-47E3-902C-3F07156F3407}"/>
+              </a:ext>
+            </a:extLst>
+          </p:cNvPr>
+          <p:cNvPicPr>
+            <a:picLocks noChangeAspect="1"/>
+          </p:cNvPicPr>
+          <p:nvPr/>
+        </p:nvPicPr>
+        <p:blipFill>
+          <a:blip r:embed="rId3"/>
+          <a:stretch>
+            <a:fillRect/>
+          </a:stretch>
+        </p:blipFill>
+        <p:spPr>
+          <a:xfrm>
+            <a:off x="4825720" y="1242935"/>
+            <a:ext cx="4832630" cy="6077045"/>
+          </a:xfrm>
+          <a:prstGeom prst="rect">
+            <a:avLst/>
+          </a:prstGeom>
+        </p:spPr>
+      </p:pic>
+      <p:pic>
+        <p:nvPicPr>
+          <p:cNvPr id="12" name="Image 11">
+            <a:extLst>
+              <a:ext uri="{FF2B5EF4-FFF2-40B4-BE49-F238E27FC236}">
+                <a16:creationId xmlns:a16="http://schemas.microsoft.com/office/drawing/2014/main" id="{CAADDB59-E790-4FC4-BD55-573E05A4CBB5}"/>
+              </a:ext>
+            </a:extLst>
+          </p:cNvPr>
+          <p:cNvPicPr>
+            <a:picLocks noChangeAspect="1"/>
+          </p:cNvPicPr>
+          <p:nvPr/>
+        </p:nvPicPr>
+        <p:blipFill rotWithShape="1">
+          <a:blip r:embed="rId4"/>
+          <a:srcRect l="36782" t="10314" r="31885" b="46797"/>
+          <a:stretch/>
+        </p:blipFill>
+        <p:spPr>
+          <a:xfrm>
+            <a:off x="10531720" y="2875793"/>
+            <a:ext cx="1586801" cy="1566967"/>
+          </a:xfrm>
+          <a:prstGeom prst="rect">
+            <a:avLst/>
+          </a:prstGeom>
+        </p:spPr>
+      </p:pic>
     </p:spTree>
     <p:extLst>
       <p:ext uri="{BB962C8B-B14F-4D97-AF65-F5344CB8AC3E}">
-        <p14:creationId xmlns:p14="http://schemas.microsoft.com/office/powerpoint/2010/main" val="2220338062"/>
+        <p14:creationId xmlns:p14="http://schemas.microsoft.com/office/powerpoint/2010/main" val="2771512729"/>
       </p:ext>
     </p:extLst>
   </p:cSld>
@@ -4598,7 +4746,7 @@
           <p:cNvPr id="2" name="Titre 1">
             <a:extLst>
               <a:ext uri="{FF2B5EF4-FFF2-40B4-BE49-F238E27FC236}">
-                <a16:creationId xmlns:a16="http://schemas.microsoft.com/office/drawing/2014/main" id="{F183738B-9C30-4ABE-AF42-92A0705B9A30}"/>
+                <a16:creationId xmlns:a16="http://schemas.microsoft.com/office/drawing/2014/main" id="{AFC492A8-8AE3-47EB-8D2E-E0EC4BEAB85C}"/>
               </a:ext>
             </a:extLst>
           </p:cNvPr>
@@ -4616,8 +4764,13 @@
           <a:p>
             <a:r>
               <a:rPr lang="fr-CH" sz="4400" b="1" u="sng" dirty="0"/>
-              <a:t>Réseau de neurones</a:t>
-            </a:r>
+              <a:t>Création du </a:t>
+            </a:r>
+            <a:r>
+              <a:rPr lang="fr-CH" sz="4400" b="1" u="sng" dirty="0" err="1"/>
+              <a:t>dataset</a:t>
+            </a:r>
+            <a:endParaRPr lang="fr-CH" sz="4400" b="1" u="sng" dirty="0"/>
           </a:p>
         </p:txBody>
       </p:sp>
@@ -4626,7 +4779,7 @@
           <p:cNvPr id="3" name="Espace réservé du contenu 2">
             <a:extLst>
               <a:ext uri="{FF2B5EF4-FFF2-40B4-BE49-F238E27FC236}">
-                <a16:creationId xmlns:a16="http://schemas.microsoft.com/office/drawing/2014/main" id="{2AD843F7-5BFD-40BE-84AD-606B1DEFF238}"/>
+                <a16:creationId xmlns:a16="http://schemas.microsoft.com/office/drawing/2014/main" id="{B93F8170-657E-4371-A1B6-3FDAA54B7662}"/>
               </a:ext>
             </a:extLst>
           </p:cNvPr>
@@ -4643,120 +4796,53 @@
           <a:lstStyle/>
           <a:p>
             <a:r>
-              <a:rPr lang="fr-CH" dirty="0" err="1"/>
+              <a:rPr lang="fr-CH" dirty="0"/>
+              <a:t>50 images remplies avec une lettre</a:t>
+            </a:r>
+          </a:p>
+          <a:p>
+            <a:r>
+              <a:rPr lang="fr-CH" dirty="0"/>
+              <a:t>Lecture des images de M. Lavanchy </a:t>
+            </a:r>
+          </a:p>
+          <a:p>
+            <a:r>
+              <a:rPr lang="fr-CH" dirty="0">
+                <a:sym typeface="Wingdings" panose="05000000000000000000" pitchFamily="2" charset="2"/>
+              </a:rPr>
+              <a:t> </a:t>
+            </a:r>
+            <a:r>
+              <a:rPr lang="fr-CH" dirty="0" err="1">
+                <a:sym typeface="Wingdings" panose="05000000000000000000" pitchFamily="2" charset="2"/>
+              </a:rPr>
               <a:t>Dataset</a:t>
             </a:r>
             <a:r>
-              <a:rPr lang="fr-CH" dirty="0"/>
-              <a:t> </a:t>
-            </a:r>
-            <a:r>
-              <a:rPr lang="fr-CH" dirty="0" err="1"/>
-              <a:t>Xnet</a:t>
-            </a:r>
-            <a:r>
-              <a:rPr lang="fr-CH" dirty="0"/>
-              <a:t> : 1575x5786 (Exemples), </a:t>
-            </a:r>
-            <a:r>
-              <a:rPr lang="fr-CH" dirty="0" err="1"/>
-              <a:t>Ynet</a:t>
-            </a:r>
-            <a:r>
-              <a:rPr lang="fr-CH" dirty="0"/>
-              <a:t> : 26x5786</a:t>
-            </a:r>
-          </a:p>
-          <a:p>
-            <a:r>
-              <a:rPr lang="fr-CH" dirty="0"/>
-              <a:t>Fonction d’entrainement ‘</a:t>
-            </a:r>
-            <a:r>
-              <a:rPr lang="fr-CH" dirty="0" err="1"/>
-              <a:t>trainscg</a:t>
-            </a:r>
-            <a:r>
-              <a:rPr lang="fr-CH" dirty="0"/>
-              <a:t>’ : </a:t>
-            </a:r>
-            <a:r>
-              <a:rPr lang="fr-CH" dirty="0" err="1"/>
-              <a:t>Scaled</a:t>
-            </a:r>
-            <a:r>
-              <a:rPr lang="fr-CH" dirty="0"/>
-              <a:t> </a:t>
-            </a:r>
-            <a:r>
-              <a:rPr lang="fr-CH" dirty="0" err="1"/>
-              <a:t>Conjugate</a:t>
-            </a:r>
-            <a:r>
-              <a:rPr lang="fr-CH" dirty="0"/>
-              <a:t> Gradient </a:t>
-            </a:r>
-            <a:r>
-              <a:rPr lang="fr-CH" dirty="0" err="1"/>
-              <a:t>Descent</a:t>
-            </a:r>
-            <a:r>
-              <a:rPr lang="fr-CH" dirty="0"/>
-              <a:t> (Utilisation d’une méthode d’orthogonalisation du vecteur de gradient) </a:t>
-            </a:r>
-          </a:p>
-          <a:p>
-            <a:r>
-              <a:rPr lang="fr-CH" dirty="0"/>
-              <a:t>Paramètre de régularisation : Lambda = 0.3</a:t>
-            </a:r>
-          </a:p>
-          <a:p>
-            <a:r>
-              <a:rPr lang="fr-CH" dirty="0" err="1"/>
-              <a:t>Epochs</a:t>
-            </a:r>
-            <a:r>
-              <a:rPr lang="fr-CH" dirty="0"/>
-              <a:t> </a:t>
-            </a:r>
-            <a:r>
-              <a:rPr lang="fr-CH" dirty="0" err="1"/>
-              <a:t>number</a:t>
-            </a:r>
-            <a:r>
-              <a:rPr lang="fr-CH" dirty="0"/>
-              <a:t> : </a:t>
-            </a:r>
-            <a:r>
-              <a:rPr lang="fr-CH" dirty="0" err="1"/>
-              <a:t>nIter</a:t>
-            </a:r>
-            <a:r>
-              <a:rPr lang="fr-CH" dirty="0"/>
-              <a:t> = 300 (Training </a:t>
-            </a:r>
-            <a:r>
-              <a:rPr lang="fr-CH" dirty="0" err="1"/>
-              <a:t>automatically</a:t>
-            </a:r>
-            <a:r>
-              <a:rPr lang="fr-CH" dirty="0"/>
-              <a:t> stops)</a:t>
-            </a:r>
-          </a:p>
-          <a:p>
-            <a:r>
-              <a:rPr lang="fr-CH" dirty="0"/>
-              <a:t>Training Ratio : 60%, Validation : 20%, test : 20%</a:t>
-            </a:r>
+              <a:rPr lang="fr-CH" dirty="0">
+                <a:sym typeface="Wingdings" panose="05000000000000000000" pitchFamily="2" charset="2"/>
+              </a:rPr>
+              <a:t> de 1575 ( Image de 45x35 pixels) par 5786 (Exemples)</a:t>
+            </a:r>
+          </a:p>
+          <a:p>
+            <a:r>
+              <a:rPr lang="fr-CH" dirty="0">
+                <a:sym typeface="Wingdings" panose="05000000000000000000" pitchFamily="2" charset="2"/>
+              </a:rPr>
+              <a:t>Labels de 1x5786 (Avec labels de 1…26) ou 26x5786 (Avec vecteurs)</a:t>
+            </a:r>
+          </a:p>
+          <a:p>
+            <a:endParaRPr lang="fr-CH" dirty="0"/>
           </a:p>
         </p:txBody>
       </p:sp>
     </p:spTree>
     <p:extLst>
       <p:ext uri="{BB962C8B-B14F-4D97-AF65-F5344CB8AC3E}">
-        <p14:creationId xmlns:p14="http://schemas.microsoft.com/office/powerpoint/2010/main" val="2032747821"/>
+        <p14:creationId xmlns:p14="http://schemas.microsoft.com/office/powerpoint/2010/main" val="2220338062"/>
       </p:ext>
     </p:extLst>
   </p:cSld>
@@ -4788,7 +4874,7 @@
           <p:cNvPr id="2" name="Titre 1">
             <a:extLst>
               <a:ext uri="{FF2B5EF4-FFF2-40B4-BE49-F238E27FC236}">
-                <a16:creationId xmlns:a16="http://schemas.microsoft.com/office/drawing/2014/main" id="{7B573B96-D755-47DD-B590-9E7388D1AC75}"/>
+                <a16:creationId xmlns:a16="http://schemas.microsoft.com/office/drawing/2014/main" id="{F183738B-9C30-4ABE-AF42-92A0705B9A30}"/>
               </a:ext>
             </a:extLst>
           </p:cNvPr>
@@ -4805,51 +4891,148 @@
           <a:lstStyle/>
           <a:p>
             <a:r>
-              <a:rPr lang="fr-CH" u="sng" dirty="0"/>
-              <a:t>Performances du NN</a:t>
-            </a:r>
-          </a:p>
-        </p:txBody>
-      </p:sp>
-      <p:pic>
-        <p:nvPicPr>
-          <p:cNvPr id="5" name="Espace réservé du contenu 4">
-            <a:extLst>
-              <a:ext uri="{FF2B5EF4-FFF2-40B4-BE49-F238E27FC236}">
-                <a16:creationId xmlns:a16="http://schemas.microsoft.com/office/drawing/2014/main" id="{EE81F84A-E8E2-4483-AB67-F658473DEFC9}"/>
-              </a:ext>
-            </a:extLst>
-          </p:cNvPr>
-          <p:cNvPicPr>
-            <a:picLocks noGrp="1" noChangeAspect="1"/>
-          </p:cNvPicPr>
+              <a:rPr lang="fr-CH" sz="4400" b="1" u="sng" dirty="0"/>
+              <a:t>Réseau de neurones</a:t>
+            </a:r>
+          </a:p>
+        </p:txBody>
+      </p:sp>
+      <p:sp>
+        <p:nvSpPr>
+          <p:cNvPr id="3" name="Espace réservé du contenu 2">
+            <a:extLst>
+              <a:ext uri="{FF2B5EF4-FFF2-40B4-BE49-F238E27FC236}">
+                <a16:creationId xmlns:a16="http://schemas.microsoft.com/office/drawing/2014/main" id="{2AD843F7-5BFD-40BE-84AD-606B1DEFF238}"/>
+              </a:ext>
+            </a:extLst>
+          </p:cNvPr>
+          <p:cNvSpPr>
+            <a:spLocks noGrp="1"/>
+          </p:cNvSpPr>
           <p:nvPr>
             <p:ph idx="1"/>
           </p:nvPr>
-        </p:nvPicPr>
-        <p:blipFill>
-          <a:blip r:embed="rId2">
-            <a:extLst>
-              <a:ext uri="{28A0092B-C50C-407E-A947-70E740481C1C}">
-                <a14:useLocalDpi xmlns:a14="http://schemas.microsoft.com/office/drawing/2010/main" val="0"/>
-              </a:ext>
-            </a:extLst>
-          </a:blip>
-          <a:stretch>
-            <a:fillRect/>
-          </a:stretch>
-        </p:blipFill>
-        <p:spPr>
-          <a:xfrm>
-            <a:off x="3195108" y="1825625"/>
-            <a:ext cx="5801784" cy="4351338"/>
-          </a:xfrm>
-        </p:spPr>
-      </p:pic>
+        </p:nvSpPr>
+        <p:spPr/>
+        <p:txBody>
+          <a:bodyPr/>
+          <a:lstStyle/>
+          <a:p>
+            <a:r>
+              <a:rPr lang="fr-CH" dirty="0" err="1"/>
+              <a:t>Dataset</a:t>
+            </a:r>
+            <a:r>
+              <a:rPr lang="fr-CH" dirty="0"/>
+              <a:t> </a:t>
+            </a:r>
+            <a:r>
+              <a:rPr lang="fr-CH" dirty="0" err="1"/>
+              <a:t>Xnet</a:t>
+            </a:r>
+            <a:r>
+              <a:rPr lang="fr-CH" dirty="0"/>
+              <a:t> : 1575x5786 (Exemples), </a:t>
+            </a:r>
+            <a:r>
+              <a:rPr lang="fr-CH" dirty="0" err="1"/>
+              <a:t>Ynet</a:t>
+            </a:r>
+            <a:r>
+              <a:rPr lang="fr-CH" dirty="0"/>
+              <a:t> : 26x5786</a:t>
+            </a:r>
+          </a:p>
+          <a:p>
+            <a:r>
+              <a:rPr lang="fr-CH" dirty="0"/>
+              <a:t>Fonction d’entrainement ‘</a:t>
+            </a:r>
+            <a:r>
+              <a:rPr lang="fr-CH" dirty="0" err="1"/>
+              <a:t>trainscg</a:t>
+            </a:r>
+            <a:r>
+              <a:rPr lang="fr-CH" dirty="0"/>
+              <a:t>’ : </a:t>
+            </a:r>
+            <a:r>
+              <a:rPr lang="fr-CH" dirty="0" err="1"/>
+              <a:t>Scaled</a:t>
+            </a:r>
+            <a:r>
+              <a:rPr lang="fr-CH" dirty="0"/>
+              <a:t> </a:t>
+            </a:r>
+            <a:r>
+              <a:rPr lang="fr-CH" dirty="0" err="1"/>
+              <a:t>Conjugate</a:t>
+            </a:r>
+            <a:r>
+              <a:rPr lang="fr-CH" dirty="0"/>
+              <a:t> Gradient </a:t>
+            </a:r>
+            <a:r>
+              <a:rPr lang="fr-CH" dirty="0" err="1"/>
+              <a:t>Descent</a:t>
+            </a:r>
+            <a:r>
+              <a:rPr lang="fr-CH" dirty="0"/>
+              <a:t> (Utilisation d’une méthode d’orthogonalisation du vecteur de gradient) </a:t>
+            </a:r>
+          </a:p>
+          <a:p>
+            <a:r>
+              <a:rPr lang="fr-CH" dirty="0"/>
+              <a:t>Paramètre de régularisation : Lambda = 0.3</a:t>
+            </a:r>
+          </a:p>
+          <a:p>
+            <a:r>
+              <a:rPr lang="fr-CH" dirty="0" err="1"/>
+              <a:t>Epochs</a:t>
+            </a:r>
+            <a:r>
+              <a:rPr lang="fr-CH" dirty="0"/>
+              <a:t> </a:t>
+            </a:r>
+            <a:r>
+              <a:rPr lang="fr-CH" dirty="0" err="1"/>
+              <a:t>number</a:t>
+            </a:r>
+            <a:r>
+              <a:rPr lang="fr-CH" dirty="0"/>
+              <a:t> : </a:t>
+            </a:r>
+            <a:r>
+              <a:rPr lang="fr-CH" dirty="0" err="1"/>
+              <a:t>nIter</a:t>
+            </a:r>
+            <a:r>
+              <a:rPr lang="fr-CH" dirty="0"/>
+              <a:t> = 300 (Training </a:t>
+            </a:r>
+            <a:r>
+              <a:rPr lang="fr-CH" dirty="0" err="1"/>
+              <a:t>automatically</a:t>
+            </a:r>
+            <a:r>
+              <a:rPr lang="fr-CH" dirty="0"/>
+              <a:t> stops)</a:t>
+            </a:r>
+          </a:p>
+          <a:p>
+            <a:r>
+              <a:rPr lang="fr-CH" dirty="0"/>
+              <a:t>Training Ratio : 60%, Validation : 20%, test : 20%</a:t>
+            </a:r>
+          </a:p>
+        </p:txBody>
+      </p:sp>
     </p:spTree>
     <p:extLst>
       <p:ext uri="{BB962C8B-B14F-4D97-AF65-F5344CB8AC3E}">
-        <p14:creationId xmlns:p14="http://schemas.microsoft.com/office/powerpoint/2010/main" val="1002392188"/>
+        <p14:creationId xmlns:p14="http://schemas.microsoft.com/office/powerpoint/2010/main" val="2032747821"/>
       </p:ext>
     </p:extLst>
   </p:cSld>
@@ -4881,6 +5064,99 @@
           <p:cNvPr id="2" name="Titre 1">
             <a:extLst>
               <a:ext uri="{FF2B5EF4-FFF2-40B4-BE49-F238E27FC236}">
+                <a16:creationId xmlns:a16="http://schemas.microsoft.com/office/drawing/2014/main" id="{7B573B96-D755-47DD-B590-9E7388D1AC75}"/>
+              </a:ext>
+            </a:extLst>
+          </p:cNvPr>
+          <p:cNvSpPr>
+            <a:spLocks noGrp="1"/>
+          </p:cNvSpPr>
+          <p:nvPr>
+            <p:ph type="title"/>
+          </p:nvPr>
+        </p:nvSpPr>
+        <p:spPr/>
+        <p:txBody>
+          <a:bodyPr/>
+          <a:lstStyle/>
+          <a:p>
+            <a:r>
+              <a:rPr lang="fr-CH" u="sng" dirty="0"/>
+              <a:t>Performances du NN</a:t>
+            </a:r>
+          </a:p>
+        </p:txBody>
+      </p:sp>
+      <p:pic>
+        <p:nvPicPr>
+          <p:cNvPr id="5" name="Espace réservé du contenu 4">
+            <a:extLst>
+              <a:ext uri="{FF2B5EF4-FFF2-40B4-BE49-F238E27FC236}">
+                <a16:creationId xmlns:a16="http://schemas.microsoft.com/office/drawing/2014/main" id="{EE81F84A-E8E2-4483-AB67-F658473DEFC9}"/>
+              </a:ext>
+            </a:extLst>
+          </p:cNvPr>
+          <p:cNvPicPr>
+            <a:picLocks noGrp="1" noChangeAspect="1"/>
+          </p:cNvPicPr>
+          <p:nvPr>
+            <p:ph idx="1"/>
+          </p:nvPr>
+        </p:nvPicPr>
+        <p:blipFill>
+          <a:blip r:embed="rId2">
+            <a:extLst>
+              <a:ext uri="{28A0092B-C50C-407E-A947-70E740481C1C}">
+                <a14:useLocalDpi xmlns:a14="http://schemas.microsoft.com/office/drawing/2010/main" val="0"/>
+              </a:ext>
+            </a:extLst>
+          </a:blip>
+          <a:stretch>
+            <a:fillRect/>
+          </a:stretch>
+        </p:blipFill>
+        <p:spPr>
+          <a:xfrm>
+            <a:off x="3195108" y="1825625"/>
+            <a:ext cx="5801784" cy="4351338"/>
+          </a:xfrm>
+        </p:spPr>
+      </p:pic>
+    </p:spTree>
+    <p:extLst>
+      <p:ext uri="{BB962C8B-B14F-4D97-AF65-F5344CB8AC3E}">
+        <p14:creationId xmlns:p14="http://schemas.microsoft.com/office/powerpoint/2010/main" val="1002392188"/>
+      </p:ext>
+    </p:extLst>
+  </p:cSld>
+  <p:clrMapOvr>
+    <a:masterClrMapping/>
+  </p:clrMapOvr>
+</p:sld>
+</file>
+
+<file path=ppt/slides/slide8.xml><?xml version="1.0" encoding="utf-8"?>
+<p:sld xmlns:a="http://schemas.openxmlformats.org/drawingml/2006/main" xmlns:r="http://schemas.openxmlformats.org/officeDocument/2006/relationships" xmlns:p="http://schemas.openxmlformats.org/presentationml/2006/main">
+  <p:cSld>
+    <p:spTree>
+      <p:nvGrpSpPr>
+        <p:cNvPr id="1" name=""/>
+        <p:cNvGrpSpPr/>
+        <p:nvPr/>
+      </p:nvGrpSpPr>
+      <p:grpSpPr>
+        <a:xfrm>
+          <a:off x="0" y="0"/>
+          <a:ext cx="0" cy="0"/>
+          <a:chOff x="0" y="0"/>
+          <a:chExt cx="0" cy="0"/>
+        </a:xfrm>
+      </p:grpSpPr>
+      <p:sp>
+        <p:nvSpPr>
+          <p:cNvPr id="2" name="Titre 1">
+            <a:extLst>
+              <a:ext uri="{FF2B5EF4-FFF2-40B4-BE49-F238E27FC236}">
                 <a16:creationId xmlns:a16="http://schemas.microsoft.com/office/drawing/2014/main" id="{F7EDEB44-3597-4E56-9E4E-7004B451BDA1}"/>
               </a:ext>
             </a:extLst>
@@ -5046,7 +5322,7 @@
 </p:sld>
 </file>
 
-<file path=ppt/slides/slide8.xml><?xml version="1.0" encoding="utf-8"?>
+<file path=ppt/slides/slide9.xml><?xml version="1.0" encoding="utf-8"?>
 <p:sld xmlns:a="http://schemas.openxmlformats.org/drawingml/2006/main" xmlns:r="http://schemas.openxmlformats.org/officeDocument/2006/relationships" xmlns:p="http://schemas.openxmlformats.org/presentationml/2006/main">
   <p:cSld>
     <p:spTree>

--- a/Présentation/MachLearn_Macherel_Evard.pptx
+++ b/Présentation/MachLearn_Macherel_Evard.pptx
@@ -5,7 +5,7 @@
     <p:sldMasterId id="2147483648" r:id="rId1"/>
   </p:sldMasterIdLst>
   <p:notesMasterIdLst>
-    <p:notesMasterId r:id="rId11"/>
+    <p:notesMasterId r:id="rId12"/>
   </p:notesMasterIdLst>
   <p:sldIdLst>
     <p:sldId id="256" r:id="rId2"/>
@@ -17,6 +17,7 @@
     <p:sldId id="262" r:id="rId8"/>
     <p:sldId id="261" r:id="rId9"/>
     <p:sldId id="263" r:id="rId10"/>
+    <p:sldId id="265" r:id="rId11"/>
   </p:sldIdLst>
   <p:sldSz cx="12192000" cy="6858000"/>
   <p:notesSz cx="6858000" cy="9144000"/>
@@ -205,7 +206,7 @@
           <a:p>
             <a:fld id="{E2F1860E-01B8-47F6-BBCC-2362672351AF}" type="datetimeFigureOut">
               <a:rPr lang="fr-CH" smtClean="0"/>
-              <a:t>13.06.2021</a:t>
+              <a:t>14.06.2021</a:t>
             </a:fld>
             <a:endParaRPr lang="fr-CH"/>
           </a:p>
@@ -517,6 +518,90 @@
           <a:bodyPr/>
           <a:lstStyle/>
           <a:p>
+            <a:endParaRPr lang="fr-CH" dirty="0"/>
+          </a:p>
+        </p:txBody>
+      </p:sp>
+      <p:sp>
+        <p:nvSpPr>
+          <p:cNvPr id="4" name="Espace réservé du numéro de diapositive 3"/>
+          <p:cNvSpPr>
+            <a:spLocks noGrp="1"/>
+          </p:cNvSpPr>
+          <p:nvPr>
+            <p:ph type="sldNum" sz="quarter" idx="5"/>
+          </p:nvPr>
+        </p:nvSpPr>
+        <p:spPr/>
+        <p:txBody>
+          <a:bodyPr/>
+          <a:lstStyle/>
+          <a:p>
+            <a:fld id="{B3B6B990-FF07-4B71-A14A-2D22C504A243}" type="slidenum">
+              <a:rPr lang="fr-CH" smtClean="0"/>
+              <a:t>4</a:t>
+            </a:fld>
+            <a:endParaRPr lang="fr-CH"/>
+          </a:p>
+        </p:txBody>
+      </p:sp>
+    </p:spTree>
+    <p:extLst>
+      <p:ext uri="{BB962C8B-B14F-4D97-AF65-F5344CB8AC3E}">
+        <p14:creationId xmlns:p14="http://schemas.microsoft.com/office/powerpoint/2010/main" val="3458133598"/>
+      </p:ext>
+    </p:extLst>
+  </p:cSld>
+  <p:clrMapOvr>
+    <a:masterClrMapping/>
+  </p:clrMapOvr>
+</p:notes>
+</file>
+
+<file path=ppt/notesSlides/notesSlide2.xml><?xml version="1.0" encoding="utf-8"?>
+<p:notes xmlns:a="http://schemas.openxmlformats.org/drawingml/2006/main" xmlns:r="http://schemas.openxmlformats.org/officeDocument/2006/relationships" xmlns:p="http://schemas.openxmlformats.org/presentationml/2006/main">
+  <p:cSld>
+    <p:spTree>
+      <p:nvGrpSpPr>
+        <p:cNvPr id="1" name=""/>
+        <p:cNvGrpSpPr/>
+        <p:nvPr/>
+      </p:nvGrpSpPr>
+      <p:grpSpPr>
+        <a:xfrm>
+          <a:off x="0" y="0"/>
+          <a:ext cx="0" cy="0"/>
+          <a:chOff x="0" y="0"/>
+          <a:chExt cx="0" cy="0"/>
+        </a:xfrm>
+      </p:grpSpPr>
+      <p:sp>
+        <p:nvSpPr>
+          <p:cNvPr id="2" name="Espace réservé de l'image des diapositives 1"/>
+          <p:cNvSpPr>
+            <a:spLocks noGrp="1" noRot="1" noChangeAspect="1"/>
+          </p:cNvSpPr>
+          <p:nvPr>
+            <p:ph type="sldImg"/>
+          </p:nvPr>
+        </p:nvSpPr>
+        <p:spPr/>
+      </p:sp>
+      <p:sp>
+        <p:nvSpPr>
+          <p:cNvPr id="3" name="Espace réservé des notes 2"/>
+          <p:cNvSpPr>
+            <a:spLocks noGrp="1"/>
+          </p:cNvSpPr>
+          <p:nvPr>
+            <p:ph type="body" idx="1"/>
+          </p:nvPr>
+        </p:nvSpPr>
+        <p:spPr/>
+        <p:txBody>
+          <a:bodyPr/>
+          <a:lstStyle/>
+          <a:p>
             <a:r>
               <a:rPr lang="fr-CH" dirty="0"/>
               <a:t>https://scicomp.stackexchange.com/questions/7819/gradient-descent-and-conjugate-gradient-descent</a:t>
@@ -554,6 +639,184 @@
     <p:extLst>
       <p:ext uri="{BB962C8B-B14F-4D97-AF65-F5344CB8AC3E}">
         <p14:creationId xmlns:p14="http://schemas.microsoft.com/office/powerpoint/2010/main" val="4043404220"/>
+      </p:ext>
+    </p:extLst>
+  </p:cSld>
+  <p:clrMapOvr>
+    <a:masterClrMapping/>
+  </p:clrMapOvr>
+</p:notes>
+</file>
+
+<file path=ppt/notesSlides/notesSlide3.xml><?xml version="1.0" encoding="utf-8"?>
+<p:notes xmlns:a="http://schemas.openxmlformats.org/drawingml/2006/main" xmlns:r="http://schemas.openxmlformats.org/officeDocument/2006/relationships" xmlns:p="http://schemas.openxmlformats.org/presentationml/2006/main">
+  <p:cSld>
+    <p:spTree>
+      <p:nvGrpSpPr>
+        <p:cNvPr id="1" name=""/>
+        <p:cNvGrpSpPr/>
+        <p:nvPr/>
+      </p:nvGrpSpPr>
+      <p:grpSpPr>
+        <a:xfrm>
+          <a:off x="0" y="0"/>
+          <a:ext cx="0" cy="0"/>
+          <a:chOff x="0" y="0"/>
+          <a:chExt cx="0" cy="0"/>
+        </a:xfrm>
+      </p:grpSpPr>
+      <p:sp>
+        <p:nvSpPr>
+          <p:cNvPr id="2" name="Espace réservé de l'image des diapositives 1"/>
+          <p:cNvSpPr>
+            <a:spLocks noGrp="1" noRot="1" noChangeAspect="1"/>
+          </p:cNvSpPr>
+          <p:nvPr>
+            <p:ph type="sldImg"/>
+          </p:nvPr>
+        </p:nvSpPr>
+        <p:spPr/>
+      </p:sp>
+      <p:sp>
+        <p:nvSpPr>
+          <p:cNvPr id="3" name="Espace réservé des notes 2"/>
+          <p:cNvSpPr>
+            <a:spLocks noGrp="1"/>
+          </p:cNvSpPr>
+          <p:nvPr>
+            <p:ph type="body" idx="1"/>
+          </p:nvPr>
+        </p:nvSpPr>
+        <p:spPr/>
+        <p:txBody>
+          <a:bodyPr/>
+          <a:lstStyle/>
+          <a:p>
+            <a:r>
+              <a:rPr lang="en-US" b="0" i="0" dirty="0">
+                <a:solidFill>
+                  <a:srgbClr val="1A1A1A"/>
+                </a:solidFill>
+                <a:effectLst/>
+                <a:latin typeface="Roboto" panose="02000000000000000000" pitchFamily="2" charset="0"/>
+              </a:rPr>
+              <a:t>If the test curve had increased significantly before the validation curve increased, then it is possible that some overfitting might have occurred.</a:t>
+            </a:r>
+            <a:endParaRPr lang="fr-CH" dirty="0"/>
+          </a:p>
+        </p:txBody>
+      </p:sp>
+      <p:sp>
+        <p:nvSpPr>
+          <p:cNvPr id="4" name="Espace réservé du numéro de diapositive 3"/>
+          <p:cNvSpPr>
+            <a:spLocks noGrp="1"/>
+          </p:cNvSpPr>
+          <p:nvPr>
+            <p:ph type="sldNum" sz="quarter" idx="5"/>
+          </p:nvPr>
+        </p:nvSpPr>
+        <p:spPr/>
+        <p:txBody>
+          <a:bodyPr/>
+          <a:lstStyle/>
+          <a:p>
+            <a:fld id="{B3B6B990-FF07-4B71-A14A-2D22C504A243}" type="slidenum">
+              <a:rPr lang="fr-CH" smtClean="0"/>
+              <a:t>7</a:t>
+            </a:fld>
+            <a:endParaRPr lang="fr-CH"/>
+          </a:p>
+        </p:txBody>
+      </p:sp>
+    </p:spTree>
+    <p:extLst>
+      <p:ext uri="{BB962C8B-B14F-4D97-AF65-F5344CB8AC3E}">
+        <p14:creationId xmlns:p14="http://schemas.microsoft.com/office/powerpoint/2010/main" val="2712001016"/>
+      </p:ext>
+    </p:extLst>
+  </p:cSld>
+  <p:clrMapOvr>
+    <a:masterClrMapping/>
+  </p:clrMapOvr>
+</p:notes>
+</file>
+
+<file path=ppt/notesSlides/notesSlide4.xml><?xml version="1.0" encoding="utf-8"?>
+<p:notes xmlns:a="http://schemas.openxmlformats.org/drawingml/2006/main" xmlns:r="http://schemas.openxmlformats.org/officeDocument/2006/relationships" xmlns:p="http://schemas.openxmlformats.org/presentationml/2006/main">
+  <p:cSld>
+    <p:spTree>
+      <p:nvGrpSpPr>
+        <p:cNvPr id="1" name=""/>
+        <p:cNvGrpSpPr/>
+        <p:nvPr/>
+      </p:nvGrpSpPr>
+      <p:grpSpPr>
+        <a:xfrm>
+          <a:off x="0" y="0"/>
+          <a:ext cx="0" cy="0"/>
+          <a:chOff x="0" y="0"/>
+          <a:chExt cx="0" cy="0"/>
+        </a:xfrm>
+      </p:grpSpPr>
+      <p:sp>
+        <p:nvSpPr>
+          <p:cNvPr id="2" name="Espace réservé de l'image des diapositives 1"/>
+          <p:cNvSpPr>
+            <a:spLocks noGrp="1" noRot="1" noChangeAspect="1"/>
+          </p:cNvSpPr>
+          <p:nvPr>
+            <p:ph type="sldImg"/>
+          </p:nvPr>
+        </p:nvSpPr>
+        <p:spPr/>
+      </p:sp>
+      <p:sp>
+        <p:nvSpPr>
+          <p:cNvPr id="3" name="Espace réservé des notes 2"/>
+          <p:cNvSpPr>
+            <a:spLocks noGrp="1"/>
+          </p:cNvSpPr>
+          <p:nvPr>
+            <p:ph type="body" idx="1"/>
+          </p:nvPr>
+        </p:nvSpPr>
+        <p:spPr/>
+        <p:txBody>
+          <a:bodyPr/>
+          <a:lstStyle/>
+          <a:p>
+            <a:endParaRPr lang="fr-CH" dirty="0"/>
+          </a:p>
+        </p:txBody>
+      </p:sp>
+      <p:sp>
+        <p:nvSpPr>
+          <p:cNvPr id="4" name="Espace réservé du numéro de diapositive 3"/>
+          <p:cNvSpPr>
+            <a:spLocks noGrp="1"/>
+          </p:cNvSpPr>
+          <p:nvPr>
+            <p:ph type="sldNum" sz="quarter" idx="5"/>
+          </p:nvPr>
+        </p:nvSpPr>
+        <p:spPr/>
+        <p:txBody>
+          <a:bodyPr/>
+          <a:lstStyle/>
+          <a:p>
+            <a:fld id="{B3B6B990-FF07-4B71-A14A-2D22C504A243}" type="slidenum">
+              <a:rPr lang="fr-CH" smtClean="0"/>
+              <a:t>9</a:t>
+            </a:fld>
+            <a:endParaRPr lang="fr-CH"/>
+          </a:p>
+        </p:txBody>
+      </p:sp>
+    </p:spTree>
+    <p:extLst>
+      <p:ext uri="{BB962C8B-B14F-4D97-AF65-F5344CB8AC3E}">
+        <p14:creationId xmlns:p14="http://schemas.microsoft.com/office/powerpoint/2010/main" val="2732788043"/>
       </p:ext>
     </p:extLst>
   </p:cSld>
@@ -712,7 +975,7 @@
           <a:p>
             <a:fld id="{9287C8B9-BD8B-45B3-B3A5-2DCE94645F7A}" type="datetimeFigureOut">
               <a:rPr lang="fr-CH" smtClean="0"/>
-              <a:t>13.06.2021</a:t>
+              <a:t>14.06.2021</a:t>
             </a:fld>
             <a:endParaRPr lang="fr-CH"/>
           </a:p>
@@ -912,7 +1175,7 @@
           <a:p>
             <a:fld id="{9287C8B9-BD8B-45B3-B3A5-2DCE94645F7A}" type="datetimeFigureOut">
               <a:rPr lang="fr-CH" smtClean="0"/>
-              <a:t>13.06.2021</a:t>
+              <a:t>14.06.2021</a:t>
             </a:fld>
             <a:endParaRPr lang="fr-CH"/>
           </a:p>
@@ -1122,7 +1385,7 @@
           <a:p>
             <a:fld id="{9287C8B9-BD8B-45B3-B3A5-2DCE94645F7A}" type="datetimeFigureOut">
               <a:rPr lang="fr-CH" smtClean="0"/>
-              <a:t>13.06.2021</a:t>
+              <a:t>14.06.2021</a:t>
             </a:fld>
             <a:endParaRPr lang="fr-CH"/>
           </a:p>
@@ -1322,7 +1585,7 @@
           <a:p>
             <a:fld id="{9287C8B9-BD8B-45B3-B3A5-2DCE94645F7A}" type="datetimeFigureOut">
               <a:rPr lang="fr-CH" smtClean="0"/>
-              <a:t>13.06.2021</a:t>
+              <a:t>14.06.2021</a:t>
             </a:fld>
             <a:endParaRPr lang="fr-CH"/>
           </a:p>
@@ -1598,7 +1861,7 @@
           <a:p>
             <a:fld id="{9287C8B9-BD8B-45B3-B3A5-2DCE94645F7A}" type="datetimeFigureOut">
               <a:rPr lang="fr-CH" smtClean="0"/>
-              <a:t>13.06.2021</a:t>
+              <a:t>14.06.2021</a:t>
             </a:fld>
             <a:endParaRPr lang="fr-CH"/>
           </a:p>
@@ -1866,7 +2129,7 @@
           <a:p>
             <a:fld id="{9287C8B9-BD8B-45B3-B3A5-2DCE94645F7A}" type="datetimeFigureOut">
               <a:rPr lang="fr-CH" smtClean="0"/>
-              <a:t>13.06.2021</a:t>
+              <a:t>14.06.2021</a:t>
             </a:fld>
             <a:endParaRPr lang="fr-CH"/>
           </a:p>
@@ -2281,7 +2544,7 @@
           <a:p>
             <a:fld id="{9287C8B9-BD8B-45B3-B3A5-2DCE94645F7A}" type="datetimeFigureOut">
               <a:rPr lang="fr-CH" smtClean="0"/>
-              <a:t>13.06.2021</a:t>
+              <a:t>14.06.2021</a:t>
             </a:fld>
             <a:endParaRPr lang="fr-CH"/>
           </a:p>
@@ -2423,7 +2686,7 @@
           <a:p>
             <a:fld id="{9287C8B9-BD8B-45B3-B3A5-2DCE94645F7A}" type="datetimeFigureOut">
               <a:rPr lang="fr-CH" smtClean="0"/>
-              <a:t>13.06.2021</a:t>
+              <a:t>14.06.2021</a:t>
             </a:fld>
             <a:endParaRPr lang="fr-CH"/>
           </a:p>
@@ -2536,7 +2799,7 @@
           <a:p>
             <a:fld id="{9287C8B9-BD8B-45B3-B3A5-2DCE94645F7A}" type="datetimeFigureOut">
               <a:rPr lang="fr-CH" smtClean="0"/>
-              <a:t>13.06.2021</a:t>
+              <a:t>14.06.2021</a:t>
             </a:fld>
             <a:endParaRPr lang="fr-CH"/>
           </a:p>
@@ -2849,7 +3112,7 @@
           <a:p>
             <a:fld id="{9287C8B9-BD8B-45B3-B3A5-2DCE94645F7A}" type="datetimeFigureOut">
               <a:rPr lang="fr-CH" smtClean="0"/>
-              <a:t>13.06.2021</a:t>
+              <a:t>14.06.2021</a:t>
             </a:fld>
             <a:endParaRPr lang="fr-CH"/>
           </a:p>
@@ -3138,7 +3401,7 @@
           <a:p>
             <a:fld id="{9287C8B9-BD8B-45B3-B3A5-2DCE94645F7A}" type="datetimeFigureOut">
               <a:rPr lang="fr-CH" smtClean="0"/>
-              <a:t>13.06.2021</a:t>
+              <a:t>14.06.2021</a:t>
             </a:fld>
             <a:endParaRPr lang="fr-CH"/>
           </a:p>
@@ -3381,7 +3644,7 @@
           <a:p>
             <a:fld id="{9287C8B9-BD8B-45B3-B3A5-2DCE94645F7A}" type="datetimeFigureOut">
               <a:rPr lang="fr-CH" smtClean="0"/>
-              <a:t>13.06.2021</a:t>
+              <a:t>14.06.2021</a:t>
             </a:fld>
             <a:endParaRPr lang="fr-CH"/>
           </a:p>
@@ -4181,6 +4444,99 @@
 </p:sld>
 </file>
 
+<file path=ppt/slides/slide10.xml><?xml version="1.0" encoding="utf-8"?>
+<p:sld xmlns:a="http://schemas.openxmlformats.org/drawingml/2006/main" xmlns:r="http://schemas.openxmlformats.org/officeDocument/2006/relationships" xmlns:p="http://schemas.openxmlformats.org/presentationml/2006/main">
+  <p:cSld>
+    <p:spTree>
+      <p:nvGrpSpPr>
+        <p:cNvPr id="1" name=""/>
+        <p:cNvGrpSpPr/>
+        <p:nvPr/>
+      </p:nvGrpSpPr>
+      <p:grpSpPr>
+        <a:xfrm>
+          <a:off x="0" y="0"/>
+          <a:ext cx="0" cy="0"/>
+          <a:chOff x="0" y="0"/>
+          <a:chExt cx="0" cy="0"/>
+        </a:xfrm>
+      </p:grpSpPr>
+      <p:sp>
+        <p:nvSpPr>
+          <p:cNvPr id="2" name="Titre 1">
+            <a:extLst>
+              <a:ext uri="{FF2B5EF4-FFF2-40B4-BE49-F238E27FC236}">
+                <a16:creationId xmlns:a16="http://schemas.microsoft.com/office/drawing/2014/main" id="{7039D91B-8FED-42E1-890E-0CE21A0F55AD}"/>
+              </a:ext>
+            </a:extLst>
+          </p:cNvPr>
+          <p:cNvSpPr>
+            <a:spLocks noGrp="1"/>
+          </p:cNvSpPr>
+          <p:nvPr>
+            <p:ph type="title"/>
+          </p:nvPr>
+        </p:nvSpPr>
+        <p:spPr/>
+        <p:txBody>
+          <a:bodyPr/>
+          <a:lstStyle/>
+          <a:p>
+            <a:r>
+              <a:rPr lang="fr-CH" u="sng" dirty="0"/>
+              <a:t>Questions</a:t>
+            </a:r>
+          </a:p>
+        </p:txBody>
+      </p:sp>
+      <p:pic>
+        <p:nvPicPr>
+          <p:cNvPr id="5" name="Espace réservé du contenu 4" descr="Une image contenant graphiques vectoriels&#10;&#10;Description générée automatiquement">
+            <a:extLst>
+              <a:ext uri="{FF2B5EF4-FFF2-40B4-BE49-F238E27FC236}">
+                <a16:creationId xmlns:a16="http://schemas.microsoft.com/office/drawing/2014/main" id="{DE48E376-BB2D-4440-B154-E28CC5520BEE}"/>
+              </a:ext>
+            </a:extLst>
+          </p:cNvPr>
+          <p:cNvPicPr>
+            <a:picLocks noGrp="1" noChangeAspect="1"/>
+          </p:cNvPicPr>
+          <p:nvPr>
+            <p:ph idx="1"/>
+          </p:nvPr>
+        </p:nvPicPr>
+        <p:blipFill>
+          <a:blip r:embed="rId2">
+            <a:extLst>
+              <a:ext uri="{28A0092B-C50C-407E-A947-70E740481C1C}">
+                <a14:useLocalDpi xmlns:a14="http://schemas.microsoft.com/office/drawing/2010/main" val="0"/>
+              </a:ext>
+            </a:extLst>
+          </a:blip>
+          <a:stretch>
+            <a:fillRect/>
+          </a:stretch>
+        </p:blipFill>
+        <p:spPr>
+          <a:xfrm>
+            <a:off x="3920331" y="1825625"/>
+            <a:ext cx="4351338" cy="4351338"/>
+          </a:xfrm>
+        </p:spPr>
+      </p:pic>
+    </p:spTree>
+    <p:extLst>
+      <p:ext uri="{BB962C8B-B14F-4D97-AF65-F5344CB8AC3E}">
+        <p14:creationId xmlns:p14="http://schemas.microsoft.com/office/powerpoint/2010/main" val="1879385097"/>
+      </p:ext>
+    </p:extLst>
+  </p:cSld>
+  <p:clrMapOvr>
+    <a:masterClrMapping/>
+  </p:clrMapOvr>
+</p:sld>
+</file>
+
 <file path=ppt/slides/slide2.xml><?xml version="1.0" encoding="utf-8"?>
 <p:sld xmlns:a="http://schemas.openxmlformats.org/drawingml/2006/main" xmlns:r="http://schemas.openxmlformats.org/officeDocument/2006/relationships" xmlns:p="http://schemas.openxmlformats.org/presentationml/2006/main">
   <p:cSld>
@@ -4555,7 +4911,7 @@
           <p:nvPr/>
         </p:nvPicPr>
         <p:blipFill>
-          <a:blip r:embed="rId2"/>
+          <a:blip r:embed="rId3"/>
           <a:stretch>
             <a:fillRect/>
           </a:stretch>
@@ -4667,7 +5023,7 @@
           <p:nvPr/>
         </p:nvPicPr>
         <p:blipFill>
-          <a:blip r:embed="rId3"/>
+          <a:blip r:embed="rId4"/>
           <a:stretch>
             <a:fillRect/>
           </a:stretch>
@@ -4697,7 +5053,7 @@
           <p:nvPr/>
         </p:nvPicPr>
         <p:blipFill rotWithShape="1">
-          <a:blip r:embed="rId4"/>
+          <a:blip r:embed="rId5"/>
           <a:srcRect l="36782" t="10314" r="31885" b="46797"/>
           <a:stretch/>
         </p:blipFill>
@@ -4711,6 +5067,58 @@
           </a:prstGeom>
         </p:spPr>
       </p:pic>
+      <p:sp>
+        <p:nvSpPr>
+          <p:cNvPr id="4" name="Rectangle 3">
+            <a:extLst>
+              <a:ext uri="{FF2B5EF4-FFF2-40B4-BE49-F238E27FC236}">
+                <a16:creationId xmlns:a16="http://schemas.microsoft.com/office/drawing/2014/main" id="{A247182F-3295-4942-8A11-92BEF4927F82}"/>
+              </a:ext>
+            </a:extLst>
+          </p:cNvPr>
+          <p:cNvSpPr/>
+          <p:nvPr/>
+        </p:nvSpPr>
+        <p:spPr>
+          <a:xfrm>
+            <a:off x="5779008" y="1999488"/>
+            <a:ext cx="128016" cy="176784"/>
+          </a:xfrm>
+          <a:prstGeom prst="rect">
+            <a:avLst/>
+          </a:prstGeom>
+          <a:noFill/>
+          <a:ln>
+            <a:solidFill>
+              <a:srgbClr val="FF0000"/>
+            </a:solidFill>
+          </a:ln>
+        </p:spPr>
+        <p:style>
+          <a:lnRef idx="2">
+            <a:schemeClr val="accent1">
+              <a:shade val="50000"/>
+            </a:schemeClr>
+          </a:lnRef>
+          <a:fillRef idx="1">
+            <a:schemeClr val="accent1"/>
+          </a:fillRef>
+          <a:effectRef idx="0">
+            <a:schemeClr val="accent1"/>
+          </a:effectRef>
+          <a:fontRef idx="minor">
+            <a:schemeClr val="lt1"/>
+          </a:fontRef>
+        </p:style>
+        <p:txBody>
+          <a:bodyPr rtlCol="0" anchor="ctr"/>
+          <a:lstStyle/>
+          <a:p>
+            <a:pPr algn="ctr"/>
+            <a:endParaRPr lang="fr-CH"/>
+          </a:p>
+        </p:txBody>
+      </p:sp>
     </p:spTree>
     <p:extLst>
       <p:ext uri="{BB962C8B-B14F-4D97-AF65-F5344CB8AC3E}">
@@ -4721,6 +5129,79 @@
   <p:clrMapOvr>
     <a:masterClrMapping/>
   </p:clrMapOvr>
+  <p:timing>
+    <p:tnLst>
+      <p:par>
+        <p:cTn id="1" dur="indefinite" restart="never" nodeType="tmRoot">
+          <p:childTnLst>
+            <p:seq concurrent="1" nextAc="seek">
+              <p:cTn id="2" dur="indefinite" nodeType="mainSeq">
+                <p:childTnLst>
+                  <p:par>
+                    <p:cTn id="3" fill="hold">
+                      <p:stCondLst>
+                        <p:cond delay="indefinite"/>
+                      </p:stCondLst>
+                      <p:childTnLst>
+                        <p:par>
+                          <p:cTn id="4" fill="hold">
+                            <p:stCondLst>
+                              <p:cond delay="0"/>
+                            </p:stCondLst>
+                            <p:childTnLst>
+                              <p:par>
+                                <p:cTn id="5" presetID="63" presetClass="path" presetSubtype="0" accel="50000" decel="50000" fill="hold" grpId="0" nodeType="clickEffect">
+                                  <p:stCondLst>
+                                    <p:cond delay="0"/>
+                                  </p:stCondLst>
+                                  <p:childTnLst>
+                                    <p:animMotion origin="layout" path="M 3.33333E-6 1.85185E-6 L 0.22539 -0.00046 " pathEditMode="relative" rAng="0" ptsTypes="AA">
+                                      <p:cBhvr>
+                                        <p:cTn id="6" dur="2000" fill="hold"/>
+                                        <p:tgtEl>
+                                          <p:spTgt spid="4"/>
+                                        </p:tgtEl>
+                                        <p:attrNameLst>
+                                          <p:attrName>ppt_x</p:attrName>
+                                          <p:attrName>ppt_y</p:attrName>
+                                        </p:attrNameLst>
+                                      </p:cBhvr>
+                                      <p:rCtr x="11263" y="-23"/>
+                                    </p:animMotion>
+                                  </p:childTnLst>
+                                </p:cTn>
+                              </p:par>
+                            </p:childTnLst>
+                          </p:cTn>
+                        </p:par>
+                      </p:childTnLst>
+                    </p:cTn>
+                  </p:par>
+                </p:childTnLst>
+              </p:cTn>
+              <p:prevCondLst>
+                <p:cond evt="onPrev" delay="0">
+                  <p:tgtEl>
+                    <p:sldTgt/>
+                  </p:tgtEl>
+                </p:cond>
+              </p:prevCondLst>
+              <p:nextCondLst>
+                <p:cond evt="onNext" delay="0">
+                  <p:tgtEl>
+                    <p:sldTgt/>
+                  </p:tgtEl>
+                </p:cond>
+              </p:nextCondLst>
+            </p:seq>
+          </p:childTnLst>
+        </p:cTn>
+      </p:par>
+    </p:tnLst>
+    <p:bldLst>
+      <p:bldP spid="4" grpId="0" animBg="1"/>
+    </p:bldLst>
+  </p:timing>
 </p:sld>
 </file>
 
@@ -4797,7 +5278,7 @@
           <a:p>
             <a:r>
               <a:rPr lang="fr-CH" dirty="0"/>
-              <a:t>50 images remplies avec une lettre</a:t>
+              <a:t>50 images remplies de 5x22 cases avec une lettre</a:t>
             </a:r>
           </a:p>
           <a:p>
@@ -5010,7 +5491,7 @@
             </a:r>
             <a:r>
               <a:rPr lang="fr-CH" dirty="0"/>
-              <a:t> = 300 (Training </a:t>
+              <a:t> = 200 (Training </a:t>
             </a:r>
             <a:r>
               <a:rPr lang="fr-CH" dirty="0" err="1"/>
@@ -5087,12 +5568,95 @@
           </a:p>
         </p:txBody>
       </p:sp>
+      <p:sp>
+        <p:nvSpPr>
+          <p:cNvPr id="3" name="ZoneTexte 2">
+            <a:extLst>
+              <a:ext uri="{FF2B5EF4-FFF2-40B4-BE49-F238E27FC236}">
+                <a16:creationId xmlns:a16="http://schemas.microsoft.com/office/drawing/2014/main" id="{E08C2916-9D58-41EA-AACA-9309DF0751D1}"/>
+              </a:ext>
+            </a:extLst>
+          </p:cNvPr>
+          <p:cNvSpPr txBox="1"/>
+          <p:nvPr/>
+        </p:nvSpPr>
+        <p:spPr>
+          <a:xfrm>
+            <a:off x="933254" y="1800519"/>
+            <a:ext cx="4971647" cy="1384995"/>
+          </a:xfrm>
+          <a:prstGeom prst="rect">
+            <a:avLst/>
+          </a:prstGeom>
+          <a:noFill/>
+        </p:spPr>
+        <p:txBody>
+          <a:bodyPr wrap="square" rtlCol="0">
+            <a:spAutoFit/>
+          </a:bodyPr>
+          <a:lstStyle/>
+          <a:p>
+            <a:pPr marL="285750" indent="-285750">
+              <a:buFont typeface="Arial" panose="020B0604020202020204" pitchFamily="34" charset="0"/>
+              <a:buChar char="•"/>
+            </a:pPr>
+            <a:r>
+              <a:rPr lang="fr-CH" sz="2800" dirty="0"/>
+              <a:t>Train </a:t>
+            </a:r>
+            <a:r>
+              <a:rPr lang="fr-CH" sz="2800" dirty="0" err="1"/>
+              <a:t>Accuracy</a:t>
+            </a:r>
+            <a:r>
+              <a:rPr lang="fr-CH" sz="2800" dirty="0"/>
+              <a:t> : 96.6 %</a:t>
+            </a:r>
+          </a:p>
+          <a:p>
+            <a:pPr marL="285750" indent="-285750">
+              <a:buFont typeface="Arial" panose="020B0604020202020204" pitchFamily="34" charset="0"/>
+              <a:buChar char="•"/>
+            </a:pPr>
+            <a:r>
+              <a:rPr lang="fr-CH" sz="2800" dirty="0"/>
+              <a:t>Validation </a:t>
+            </a:r>
+            <a:r>
+              <a:rPr lang="fr-CH" sz="2800" dirty="0" err="1"/>
+              <a:t>Accuracy</a:t>
+            </a:r>
+            <a:r>
+              <a:rPr lang="fr-CH" sz="2800" dirty="0"/>
+              <a:t> : 82.6 %</a:t>
+            </a:r>
+          </a:p>
+          <a:p>
+            <a:pPr marL="285750" indent="-285750">
+              <a:buFont typeface="Arial" panose="020B0604020202020204" pitchFamily="34" charset="0"/>
+              <a:buChar char="•"/>
+            </a:pPr>
+            <a:r>
+              <a:rPr lang="fr-CH" sz="2800" dirty="0"/>
+              <a:t>Test </a:t>
+            </a:r>
+            <a:r>
+              <a:rPr lang="fr-CH" sz="2800" dirty="0" err="1"/>
+              <a:t>accuracy</a:t>
+            </a:r>
+            <a:r>
+              <a:rPr lang="fr-CH" sz="2800" dirty="0"/>
+              <a:t> : 82.2%</a:t>
+            </a:r>
+          </a:p>
+        </p:txBody>
+      </p:sp>
       <p:pic>
         <p:nvPicPr>
-          <p:cNvPr id="5" name="Espace réservé du contenu 4">
-            <a:extLst>
-              <a:ext uri="{FF2B5EF4-FFF2-40B4-BE49-F238E27FC236}">
-                <a16:creationId xmlns:a16="http://schemas.microsoft.com/office/drawing/2014/main" id="{EE81F84A-E8E2-4483-AB67-F658473DEFC9}"/>
+          <p:cNvPr id="8" name="Espace réservé du contenu 7">
+            <a:extLst>
+              <a:ext uri="{FF2B5EF4-FFF2-40B4-BE49-F238E27FC236}">
+                <a16:creationId xmlns:a16="http://schemas.microsoft.com/office/drawing/2014/main" id="{1BBBFED8-1B01-4917-888A-5EC78808FA59}"/>
               </a:ext>
             </a:extLst>
           </p:cNvPr>
@@ -5104,7 +5668,7 @@
           </p:nvPr>
         </p:nvPicPr>
         <p:blipFill>
-          <a:blip r:embed="rId2">
+          <a:blip r:embed="rId3">
             <a:extLst>
               <a:ext uri="{28A0092B-C50C-407E-A947-70E740481C1C}">
                 <a14:useLocalDpi xmlns:a14="http://schemas.microsoft.com/office/drawing/2010/main" val="0"/>
@@ -5117,8 +5681,8 @@
         </p:blipFill>
         <p:spPr>
           <a:xfrm>
-            <a:off x="3195108" y="1825625"/>
-            <a:ext cx="5801784" cy="4351338"/>
+            <a:off x="5456961" y="1496817"/>
+            <a:ext cx="6661409" cy="4996057"/>
           </a:xfrm>
         </p:spPr>
       </p:pic>
@@ -5220,6 +5784,16 @@
           <a:p>
             <a:r>
               <a:rPr lang="fr-CH" dirty="0" err="1"/>
+              <a:t>Cubic</a:t>
+            </a:r>
+            <a:r>
+              <a:rPr lang="fr-CH" dirty="0"/>
+              <a:t> SVM</a:t>
+            </a:r>
+          </a:p>
+          <a:p>
+            <a:r>
+              <a:rPr lang="fr-CH" dirty="0" err="1"/>
               <a:t>Dataset</a:t>
             </a:r>
             <a:r>
@@ -5388,7 +5962,26 @@
           <a:bodyPr/>
           <a:lstStyle/>
           <a:p>
-            <a:endParaRPr lang="fr-CH"/>
+            <a:r>
+              <a:rPr lang="fr-CH" dirty="0"/>
+              <a:t>Reconnaissance d’environ 50% des lettres pour le cubique</a:t>
+            </a:r>
+          </a:p>
+          <a:p>
+            <a:r>
+              <a:rPr lang="fr-CH" dirty="0" err="1"/>
+              <a:t>ResubLoss</a:t>
+            </a:r>
+            <a:r>
+              <a:rPr lang="fr-CH" dirty="0"/>
+              <a:t>(Model) = 0.1 % Erreur de classification </a:t>
+            </a:r>
+          </a:p>
+          <a:p>
+            <a:r>
+              <a:rPr lang="fr-CH" dirty="0"/>
+              <a:t>Pas réussi a plot les performances</a:t>
+            </a:r>
           </a:p>
         </p:txBody>
       </p:sp>

--- a/Présentation/MachLearn_Macherel_Evard.pptx
+++ b/Présentation/MachLearn_Macherel_Evard.pptx
@@ -518,7 +518,14 @@
           <a:bodyPr/>
           <a:lstStyle/>
           <a:p>
-            <a:endParaRPr lang="fr-CH" dirty="0"/>
+            <a:r>
+              <a:rPr lang="fr-CH" dirty="0" err="1"/>
+              <a:t>imageProps</a:t>
+            </a:r>
+            <a:r>
+              <a:rPr lang="fr-CH" dirty="0"/>
+              <a:t>-&gt;effacement bruit</a:t>
+            </a:r>
           </a:p>
         </p:txBody>
       </p:sp>
@@ -539,7 +546,7 @@
           <a:p>
             <a:fld id="{B3B6B990-FF07-4B71-A14A-2D22C504A243}" type="slidenum">
               <a:rPr lang="fr-CH" smtClean="0"/>
-              <a:t>4</a:t>
+              <a:t>3</a:t>
             </a:fld>
             <a:endParaRPr lang="fr-CH"/>
           </a:p>
@@ -548,7 +555,7 @@
     </p:spTree>
     <p:extLst>
       <p:ext uri="{BB962C8B-B14F-4D97-AF65-F5344CB8AC3E}">
-        <p14:creationId xmlns:p14="http://schemas.microsoft.com/office/powerpoint/2010/main" val="3458133598"/>
+        <p14:creationId xmlns:p14="http://schemas.microsoft.com/office/powerpoint/2010/main" val="2972259357"/>
       </p:ext>
     </p:extLst>
   </p:cSld>
@@ -602,12 +609,6 @@
           <a:bodyPr/>
           <a:lstStyle/>
           <a:p>
-            <a:r>
-              <a:rPr lang="fr-CH" dirty="0"/>
-              <a:t>https://scicomp.stackexchange.com/questions/7819/gradient-descent-and-conjugate-gradient-descent</a:t>
-            </a:r>
-          </a:p>
-          <a:p>
             <a:endParaRPr lang="fr-CH" dirty="0"/>
           </a:p>
         </p:txBody>
@@ -629,7 +630,7 @@
           <a:p>
             <a:fld id="{B3B6B990-FF07-4B71-A14A-2D22C504A243}" type="slidenum">
               <a:rPr lang="fr-CH" smtClean="0"/>
-              <a:t>6</a:t>
+              <a:t>4</a:t>
             </a:fld>
             <a:endParaRPr lang="fr-CH"/>
           </a:p>
@@ -638,7 +639,7 @@
     </p:spTree>
     <p:extLst>
       <p:ext uri="{BB962C8B-B14F-4D97-AF65-F5344CB8AC3E}">
-        <p14:creationId xmlns:p14="http://schemas.microsoft.com/office/powerpoint/2010/main" val="4043404220"/>
+        <p14:creationId xmlns:p14="http://schemas.microsoft.com/office/powerpoint/2010/main" val="3458133598"/>
       </p:ext>
     </p:extLst>
   </p:cSld>
@@ -693,6 +694,96 @@
           <a:lstStyle/>
           <a:p>
             <a:r>
+              <a:rPr lang="fr-CH" dirty="0"/>
+              <a:t>https://scicomp.stackexchange.com/questions/7819/gradient-descent-and-conjugate-gradient-descent</a:t>
+            </a:r>
+          </a:p>
+          <a:p>
+            <a:endParaRPr lang="fr-CH" dirty="0"/>
+          </a:p>
+        </p:txBody>
+      </p:sp>
+      <p:sp>
+        <p:nvSpPr>
+          <p:cNvPr id="4" name="Espace réservé du numéro de diapositive 3"/>
+          <p:cNvSpPr>
+            <a:spLocks noGrp="1"/>
+          </p:cNvSpPr>
+          <p:nvPr>
+            <p:ph type="sldNum" sz="quarter" idx="5"/>
+          </p:nvPr>
+        </p:nvSpPr>
+        <p:spPr/>
+        <p:txBody>
+          <a:bodyPr/>
+          <a:lstStyle/>
+          <a:p>
+            <a:fld id="{B3B6B990-FF07-4B71-A14A-2D22C504A243}" type="slidenum">
+              <a:rPr lang="fr-CH" smtClean="0"/>
+              <a:t>6</a:t>
+            </a:fld>
+            <a:endParaRPr lang="fr-CH"/>
+          </a:p>
+        </p:txBody>
+      </p:sp>
+    </p:spTree>
+    <p:extLst>
+      <p:ext uri="{BB962C8B-B14F-4D97-AF65-F5344CB8AC3E}">
+        <p14:creationId xmlns:p14="http://schemas.microsoft.com/office/powerpoint/2010/main" val="4043404220"/>
+      </p:ext>
+    </p:extLst>
+  </p:cSld>
+  <p:clrMapOvr>
+    <a:masterClrMapping/>
+  </p:clrMapOvr>
+</p:notes>
+</file>
+
+<file path=ppt/notesSlides/notesSlide4.xml><?xml version="1.0" encoding="utf-8"?>
+<p:notes xmlns:a="http://schemas.openxmlformats.org/drawingml/2006/main" xmlns:r="http://schemas.openxmlformats.org/officeDocument/2006/relationships" xmlns:p="http://schemas.openxmlformats.org/presentationml/2006/main">
+  <p:cSld>
+    <p:spTree>
+      <p:nvGrpSpPr>
+        <p:cNvPr id="1" name=""/>
+        <p:cNvGrpSpPr/>
+        <p:nvPr/>
+      </p:nvGrpSpPr>
+      <p:grpSpPr>
+        <a:xfrm>
+          <a:off x="0" y="0"/>
+          <a:ext cx="0" cy="0"/>
+          <a:chOff x="0" y="0"/>
+          <a:chExt cx="0" cy="0"/>
+        </a:xfrm>
+      </p:grpSpPr>
+      <p:sp>
+        <p:nvSpPr>
+          <p:cNvPr id="2" name="Espace réservé de l'image des diapositives 1"/>
+          <p:cNvSpPr>
+            <a:spLocks noGrp="1" noRot="1" noChangeAspect="1"/>
+          </p:cNvSpPr>
+          <p:nvPr>
+            <p:ph type="sldImg"/>
+          </p:nvPr>
+        </p:nvSpPr>
+        <p:spPr/>
+      </p:sp>
+      <p:sp>
+        <p:nvSpPr>
+          <p:cNvPr id="3" name="Espace réservé des notes 2"/>
+          <p:cNvSpPr>
+            <a:spLocks noGrp="1"/>
+          </p:cNvSpPr>
+          <p:nvPr>
+            <p:ph type="body" idx="1"/>
+          </p:nvPr>
+        </p:nvSpPr>
+        <p:spPr/>
+        <p:txBody>
+          <a:bodyPr/>
+          <a:lstStyle/>
+          <a:p>
+            <a:r>
               <a:rPr lang="en-US" b="0" i="0" dirty="0">
                 <a:solidFill>
                   <a:srgbClr val="1A1A1A"/>
@@ -742,7 +833,7 @@
 </p:notes>
 </file>
 
-<file path=ppt/notesSlides/notesSlide4.xml><?xml version="1.0" encoding="utf-8"?>
+<file path=ppt/notesSlides/notesSlide5.xml><?xml version="1.0" encoding="utf-8"?>
 <p:notes xmlns:a="http://schemas.openxmlformats.org/drawingml/2006/main" xmlns:r="http://schemas.openxmlformats.org/officeDocument/2006/relationships" xmlns:p="http://schemas.openxmlformats.org/presentationml/2006/main">
   <p:cSld>
     <p:spTree>
